--- a/BD_Estadística/JORNADA (PPT)/Jornada.pptx
+++ b/BD_Estadística/JORNADA (PPT)/Jornada.pptx
@@ -9,8 +9,10 @@
     <p:sldId id="258" r:id="rId3"/>
     <p:sldId id="259" r:id="rId4"/>
     <p:sldId id="260" r:id="rId5"/>
-    <p:sldId id="261" r:id="rId6"/>
-    <p:sldId id="262" r:id="rId7"/>
+    <p:sldId id="263" r:id="rId6"/>
+    <p:sldId id="261" r:id="rId7"/>
+    <p:sldId id="262" r:id="rId8"/>
+    <p:sldId id="264" r:id="rId9"/>
   </p:sldIdLst>
   <p:sldSz cx="12192000" cy="6858000"/>
   <p:notesSz cx="6858000" cy="9144000"/>
@@ -121,8 +123,1888 @@
 <p1510:revInfo xmlns:a="http://schemas.openxmlformats.org/drawingml/2006/main" xmlns:r="http://schemas.openxmlformats.org/officeDocument/2006/relationships" xmlns:p1510="http://schemas.microsoft.com/office/powerpoint/2015/10/main">
   <p1510:revLst>
     <p1510:client id="{3EB16422-07D7-4ECD-B0EC-0670C122A477}" v="6" dt="2023-07-26T14:14:23.763"/>
+    <p1510:client id="{5FF4F765-A8BF-49B2-85EB-EAB9064752CE}" v="52" dt="2023-07-26T16:48:23.671"/>
   </p1510:revLst>
 </p1510:revInfo>
+</file>
+
+<file path=ppt/changesInfos/changesInfo1.xml><?xml version="1.0" encoding="utf-8"?>
+<pc:chgInfo xmlns:a="http://schemas.openxmlformats.org/drawingml/2006/main" xmlns:r="http://schemas.openxmlformats.org/officeDocument/2006/relationships" xmlns:ac="http://schemas.microsoft.com/office/drawing/2013/main/command" xmlns:pc="http://schemas.microsoft.com/office/powerpoint/2013/main/command">
+  <pc:docChgLst>
+    <pc:chgData name="Lourdes L." userId="b4e5647feec35335" providerId="LiveId" clId="{5FF4F765-A8BF-49B2-85EB-EAB9064752CE}"/>
+    <pc:docChg chg="undo redo custSel addSld delSld modSld sldOrd">
+      <pc:chgData name="Lourdes L." userId="b4e5647feec35335" providerId="LiveId" clId="{5FF4F765-A8BF-49B2-85EB-EAB9064752CE}" dt="2023-07-26T16:48:55.960" v="1413" actId="1076"/>
+      <pc:docMkLst>
+        <pc:docMk/>
+      </pc:docMkLst>
+      <pc:sldChg chg="addSp modSp mod setBg">
+        <pc:chgData name="Lourdes L." userId="b4e5647feec35335" providerId="LiveId" clId="{5FF4F765-A8BF-49B2-85EB-EAB9064752CE}" dt="2023-07-26T16:09:30.644" v="1182" actId="1035"/>
+        <pc:sldMkLst>
+          <pc:docMk/>
+          <pc:sldMk cId="1008336171" sldId="256"/>
+        </pc:sldMkLst>
+        <pc:spChg chg="mod">
+          <ac:chgData name="Lourdes L." userId="b4e5647feec35335" providerId="LiveId" clId="{5FF4F765-A8BF-49B2-85EB-EAB9064752CE}" dt="2023-07-26T16:09:30.644" v="1182" actId="1035"/>
+          <ac:spMkLst>
+            <pc:docMk/>
+            <pc:sldMk cId="1008336171" sldId="256"/>
+            <ac:spMk id="2" creationId="{F5C173AF-11E3-AA6C-FF54-658A2AE746FE}"/>
+          </ac:spMkLst>
+        </pc:spChg>
+        <pc:spChg chg="mod">
+          <ac:chgData name="Lourdes L." userId="b4e5647feec35335" providerId="LiveId" clId="{5FF4F765-A8BF-49B2-85EB-EAB9064752CE}" dt="2023-07-26T16:09:30.644" v="1182" actId="1035"/>
+          <ac:spMkLst>
+            <pc:docMk/>
+            <pc:sldMk cId="1008336171" sldId="256"/>
+            <ac:spMk id="3" creationId="{59DBC92C-4EA3-D765-3742-DBB53EBD7942}"/>
+          </ac:spMkLst>
+        </pc:spChg>
+        <pc:spChg chg="add mod ord">
+          <ac:chgData name="Lourdes L." userId="b4e5647feec35335" providerId="LiveId" clId="{5FF4F765-A8BF-49B2-85EB-EAB9064752CE}" dt="2023-07-26T16:06:45.107" v="1158" actId="171"/>
+          <ac:spMkLst>
+            <pc:docMk/>
+            <pc:sldMk cId="1008336171" sldId="256"/>
+            <ac:spMk id="4" creationId="{63F66908-58D2-69FE-6D3A-24E25F6988B0}"/>
+          </ac:spMkLst>
+        </pc:spChg>
+        <pc:picChg chg="add mod">
+          <ac:chgData name="Lourdes L." userId="b4e5647feec35335" providerId="LiveId" clId="{5FF4F765-A8BF-49B2-85EB-EAB9064752CE}" dt="2023-07-26T15:52:29.359" v="787" actId="732"/>
+          <ac:picMkLst>
+            <pc:docMk/>
+            <pc:sldMk cId="1008336171" sldId="256"/>
+            <ac:picMk id="1026" creationId="{939B6B48-62F2-915A-292B-22ABB7290EBE}"/>
+          </ac:picMkLst>
+        </pc:picChg>
+        <pc:picChg chg="add mod">
+          <ac:chgData name="Lourdes L." userId="b4e5647feec35335" providerId="LiveId" clId="{5FF4F765-A8BF-49B2-85EB-EAB9064752CE}" dt="2023-07-26T16:06:57.713" v="1162" actId="171"/>
+          <ac:picMkLst>
+            <pc:docMk/>
+            <pc:sldMk cId="1008336171" sldId="256"/>
+            <ac:picMk id="1028" creationId="{8798C612-026E-8028-C30C-66E7F7667AFE}"/>
+          </ac:picMkLst>
+        </pc:picChg>
+      </pc:sldChg>
+      <pc:sldChg chg="modSp add del mod ord">
+        <pc:chgData name="Lourdes L." userId="b4e5647feec35335" providerId="LiveId" clId="{5FF4F765-A8BF-49B2-85EB-EAB9064752CE}" dt="2023-07-26T16:45:49.051" v="1332" actId="20577"/>
+        <pc:sldMkLst>
+          <pc:docMk/>
+          <pc:sldMk cId="1474117011" sldId="258"/>
+        </pc:sldMkLst>
+        <pc:spChg chg="mod">
+          <ac:chgData name="Lourdes L." userId="b4e5647feec35335" providerId="LiveId" clId="{5FF4F765-A8BF-49B2-85EB-EAB9064752CE}" dt="2023-07-26T16:45:19.724" v="1307" actId="20577"/>
+          <ac:spMkLst>
+            <pc:docMk/>
+            <pc:sldMk cId="1474117011" sldId="258"/>
+            <ac:spMk id="2" creationId="{82763AEC-A3BC-CEF8-DA17-48F930BE95EC}"/>
+          </ac:spMkLst>
+        </pc:spChg>
+        <pc:spChg chg="mod">
+          <ac:chgData name="Lourdes L." userId="b4e5647feec35335" providerId="LiveId" clId="{5FF4F765-A8BF-49B2-85EB-EAB9064752CE}" dt="2023-07-26T16:45:49.051" v="1332" actId="20577"/>
+          <ac:spMkLst>
+            <pc:docMk/>
+            <pc:sldMk cId="1474117011" sldId="258"/>
+            <ac:spMk id="3" creationId="{412B0B61-4FEB-ECEE-265A-DD8B144EAD44}"/>
+          </ac:spMkLst>
+        </pc:spChg>
+      </pc:sldChg>
+      <pc:sldChg chg="addSp delSp modSp add del mod ord">
+        <pc:chgData name="Lourdes L." userId="b4e5647feec35335" providerId="LiveId" clId="{5FF4F765-A8BF-49B2-85EB-EAB9064752CE}" dt="2023-07-26T16:46:15.185" v="1346" actId="20577"/>
+        <pc:sldMkLst>
+          <pc:docMk/>
+          <pc:sldMk cId="819257717" sldId="259"/>
+        </pc:sldMkLst>
+        <pc:spChg chg="add del">
+          <ac:chgData name="Lourdes L." userId="b4e5647feec35335" providerId="LiveId" clId="{5FF4F765-A8BF-49B2-85EB-EAB9064752CE}" dt="2023-07-26T15:04:06.657" v="122" actId="478"/>
+          <ac:spMkLst>
+            <pc:docMk/>
+            <pc:sldMk cId="819257717" sldId="259"/>
+            <ac:spMk id="2" creationId="{82763AEC-A3BC-CEF8-DA17-48F930BE95EC}"/>
+          </ac:spMkLst>
+        </pc:spChg>
+        <pc:spChg chg="add del mod">
+          <ac:chgData name="Lourdes L." userId="b4e5647feec35335" providerId="LiveId" clId="{5FF4F765-A8BF-49B2-85EB-EAB9064752CE}" dt="2023-07-26T15:01:32.166" v="21"/>
+          <ac:spMkLst>
+            <pc:docMk/>
+            <pc:sldMk cId="819257717" sldId="259"/>
+            <ac:spMk id="3" creationId="{88349848-C800-67BB-017D-92AB226494EE}"/>
+          </ac:spMkLst>
+        </pc:spChg>
+        <pc:spChg chg="mod">
+          <ac:chgData name="Lourdes L." userId="b4e5647feec35335" providerId="LiveId" clId="{5FF4F765-A8BF-49B2-85EB-EAB9064752CE}" dt="2023-07-26T16:46:15.185" v="1346" actId="20577"/>
+          <ac:spMkLst>
+            <pc:docMk/>
+            <pc:sldMk cId="819257717" sldId="259"/>
+            <ac:spMk id="4" creationId="{861B3CD9-5781-5D4F-A337-B7C00C62EA5B}"/>
+          </ac:spMkLst>
+        </pc:spChg>
+        <pc:spChg chg="add del mod">
+          <ac:chgData name="Lourdes L." userId="b4e5647feec35335" providerId="LiveId" clId="{5FF4F765-A8BF-49B2-85EB-EAB9064752CE}" dt="2023-07-26T15:04:06.959" v="123"/>
+          <ac:spMkLst>
+            <pc:docMk/>
+            <pc:sldMk cId="819257717" sldId="259"/>
+            <ac:spMk id="6" creationId="{A20BA74C-61FE-F7E4-8C66-2DDA2CDB6D76}"/>
+          </ac:spMkLst>
+        </pc:spChg>
+        <pc:spChg chg="add del mod">
+          <ac:chgData name="Lourdes L." userId="b4e5647feec35335" providerId="LiveId" clId="{5FF4F765-A8BF-49B2-85EB-EAB9064752CE}" dt="2023-07-26T15:01:40.729" v="24"/>
+          <ac:spMkLst>
+            <pc:docMk/>
+            <pc:sldMk cId="819257717" sldId="259"/>
+            <ac:spMk id="7" creationId="{E242981D-AE80-4159-4DB5-000962ED3F22}"/>
+          </ac:spMkLst>
+        </pc:spChg>
+        <pc:spChg chg="add del mod">
+          <ac:chgData name="Lourdes L." userId="b4e5647feec35335" providerId="LiveId" clId="{5FF4F765-A8BF-49B2-85EB-EAB9064752CE}" dt="2023-07-26T15:42:58.494" v="769" actId="108"/>
+          <ac:spMkLst>
+            <pc:docMk/>
+            <pc:sldMk cId="819257717" sldId="259"/>
+            <ac:spMk id="8" creationId="{B0ABC879-3710-22D9-C911-ED3A9FE31DF2}"/>
+          </ac:spMkLst>
+        </pc:spChg>
+      </pc:sldChg>
+      <pc:sldChg chg="modSp mod ord">
+        <pc:chgData name="Lourdes L." userId="b4e5647feec35335" providerId="LiveId" clId="{5FF4F765-A8BF-49B2-85EB-EAB9064752CE}" dt="2023-07-26T16:12:29.266" v="1280" actId="6549"/>
+        <pc:sldMkLst>
+          <pc:docMk/>
+          <pc:sldMk cId="3926400946" sldId="260"/>
+        </pc:sldMkLst>
+        <pc:spChg chg="mod">
+          <ac:chgData name="Lourdes L." userId="b4e5647feec35335" providerId="LiveId" clId="{5FF4F765-A8BF-49B2-85EB-EAB9064752CE}" dt="2023-07-26T15:42:28.864" v="767" actId="207"/>
+          <ac:spMkLst>
+            <pc:docMk/>
+            <pc:sldMk cId="3926400946" sldId="260"/>
+            <ac:spMk id="2" creationId="{03BA4BD2-B119-479F-358B-4283FC795868}"/>
+          </ac:spMkLst>
+        </pc:spChg>
+        <pc:spChg chg="mod">
+          <ac:chgData name="Lourdes L." userId="b4e5647feec35335" providerId="LiveId" clId="{5FF4F765-A8BF-49B2-85EB-EAB9064752CE}" dt="2023-07-26T16:12:29.266" v="1280" actId="6549"/>
+          <ac:spMkLst>
+            <pc:docMk/>
+            <pc:sldMk cId="3926400946" sldId="260"/>
+            <ac:spMk id="5" creationId="{51BD9C73-9DCB-B9AC-4B93-DEBCDCA59A7F}"/>
+          </ac:spMkLst>
+        </pc:spChg>
+      </pc:sldChg>
+      <pc:sldChg chg="modSp mod">
+        <pc:chgData name="Lourdes L." userId="b4e5647feec35335" providerId="LiveId" clId="{5FF4F765-A8BF-49B2-85EB-EAB9064752CE}" dt="2023-07-26T16:48:25.684" v="1389" actId="12"/>
+        <pc:sldMkLst>
+          <pc:docMk/>
+          <pc:sldMk cId="1618789882" sldId="261"/>
+        </pc:sldMkLst>
+        <pc:spChg chg="mod">
+          <ac:chgData name="Lourdes L." userId="b4e5647feec35335" providerId="LiveId" clId="{5FF4F765-A8BF-49B2-85EB-EAB9064752CE}" dt="2023-07-26T15:43:40.269" v="770" actId="207"/>
+          <ac:spMkLst>
+            <pc:docMk/>
+            <pc:sldMk cId="1618789882" sldId="261"/>
+            <ac:spMk id="2" creationId="{78F69154-07F7-0C30-C628-29EAA469E032}"/>
+          </ac:spMkLst>
+        </pc:spChg>
+        <pc:spChg chg="mod">
+          <ac:chgData name="Lourdes L." userId="b4e5647feec35335" providerId="LiveId" clId="{5FF4F765-A8BF-49B2-85EB-EAB9064752CE}" dt="2023-07-26T16:48:25.684" v="1389" actId="12"/>
+          <ac:spMkLst>
+            <pc:docMk/>
+            <pc:sldMk cId="1618789882" sldId="261"/>
+            <ac:spMk id="4" creationId="{A8644297-0D4D-5200-89AB-B16173FFE95D}"/>
+          </ac:spMkLst>
+        </pc:spChg>
+      </pc:sldChg>
+      <pc:sldChg chg="modSp mod">
+        <pc:chgData name="Lourdes L." userId="b4e5647feec35335" providerId="LiveId" clId="{5FF4F765-A8BF-49B2-85EB-EAB9064752CE}" dt="2023-07-26T16:14:21.039" v="1282" actId="27636"/>
+        <pc:sldMkLst>
+          <pc:docMk/>
+          <pc:sldMk cId="997121632" sldId="262"/>
+        </pc:sldMkLst>
+        <pc:spChg chg="mod">
+          <ac:chgData name="Lourdes L." userId="b4e5647feec35335" providerId="LiveId" clId="{5FF4F765-A8BF-49B2-85EB-EAB9064752CE}" dt="2023-07-26T15:43:57.334" v="771" actId="207"/>
+          <ac:spMkLst>
+            <pc:docMk/>
+            <pc:sldMk cId="997121632" sldId="262"/>
+            <ac:spMk id="2" creationId="{78F69154-07F7-0C30-C628-29EAA469E032}"/>
+          </ac:spMkLst>
+        </pc:spChg>
+        <pc:spChg chg="mod">
+          <ac:chgData name="Lourdes L." userId="b4e5647feec35335" providerId="LiveId" clId="{5FF4F765-A8BF-49B2-85EB-EAB9064752CE}" dt="2023-07-26T16:14:21.039" v="1282" actId="27636"/>
+          <ac:spMkLst>
+            <pc:docMk/>
+            <pc:sldMk cId="997121632" sldId="262"/>
+            <ac:spMk id="4" creationId="{95A7CDCD-D202-2E60-BE52-8AF2EFEBB70F}"/>
+          </ac:spMkLst>
+        </pc:spChg>
+      </pc:sldChg>
+      <pc:sldChg chg="addSp delSp modSp add mod ord setBg modClrScheme chgLayout">
+        <pc:chgData name="Lourdes L." userId="b4e5647feec35335" providerId="LiveId" clId="{5FF4F765-A8BF-49B2-85EB-EAB9064752CE}" dt="2023-07-26T16:48:07.885" v="1385" actId="404"/>
+        <pc:sldMkLst>
+          <pc:docMk/>
+          <pc:sldMk cId="1096421706" sldId="263"/>
+        </pc:sldMkLst>
+        <pc:spChg chg="del mod ord">
+          <ac:chgData name="Lourdes L." userId="b4e5647feec35335" providerId="LiveId" clId="{5FF4F765-A8BF-49B2-85EB-EAB9064752CE}" dt="2023-07-26T15:18:18.498" v="513" actId="478"/>
+          <ac:spMkLst>
+            <pc:docMk/>
+            <pc:sldMk cId="1096421706" sldId="263"/>
+            <ac:spMk id="2" creationId="{F5C173AF-11E3-AA6C-FF54-658A2AE746FE}"/>
+          </ac:spMkLst>
+        </pc:spChg>
+        <pc:spChg chg="del mod ord">
+          <ac:chgData name="Lourdes L." userId="b4e5647feec35335" providerId="LiveId" clId="{5FF4F765-A8BF-49B2-85EB-EAB9064752CE}" dt="2023-07-26T15:18:22.941" v="515" actId="478"/>
+          <ac:spMkLst>
+            <pc:docMk/>
+            <pc:sldMk cId="1096421706" sldId="263"/>
+            <ac:spMk id="3" creationId="{59DBC92C-4EA3-D765-3742-DBB53EBD7942}"/>
+          </ac:spMkLst>
+        </pc:spChg>
+        <pc:spChg chg="add del mod">
+          <ac:chgData name="Lourdes L." userId="b4e5647feec35335" providerId="LiveId" clId="{5FF4F765-A8BF-49B2-85EB-EAB9064752CE}" dt="2023-07-26T15:18:20.986" v="514" actId="478"/>
+          <ac:spMkLst>
+            <pc:docMk/>
+            <pc:sldMk cId="1096421706" sldId="263"/>
+            <ac:spMk id="5" creationId="{B8A5A6A5-CE8F-4C38-F22E-1D9D9BA34801}"/>
+          </ac:spMkLst>
+        </pc:spChg>
+        <pc:spChg chg="add del mod">
+          <ac:chgData name="Lourdes L." userId="b4e5647feec35335" providerId="LiveId" clId="{5FF4F765-A8BF-49B2-85EB-EAB9064752CE}" dt="2023-07-26T15:18:25.434" v="516" actId="478"/>
+          <ac:spMkLst>
+            <pc:docMk/>
+            <pc:sldMk cId="1096421706" sldId="263"/>
+            <ac:spMk id="7" creationId="{A85C0116-B85A-AB0F-4723-C752F58E7724}"/>
+          </ac:spMkLst>
+        </pc:spChg>
+        <pc:spChg chg="add mod ord">
+          <ac:chgData name="Lourdes L." userId="b4e5647feec35335" providerId="LiveId" clId="{5FF4F765-A8BF-49B2-85EB-EAB9064752CE}" dt="2023-07-26T16:48:07.885" v="1385" actId="404"/>
+          <ac:spMkLst>
+            <pc:docMk/>
+            <pc:sldMk cId="1096421706" sldId="263"/>
+            <ac:spMk id="9" creationId="{D0B2BAA3-2E91-776F-6FEF-50E031AED395}"/>
+          </ac:spMkLst>
+        </pc:spChg>
+        <pc:spChg chg="add del mod ord">
+          <ac:chgData name="Lourdes L." userId="b4e5647feec35335" providerId="LiveId" clId="{5FF4F765-A8BF-49B2-85EB-EAB9064752CE}" dt="2023-07-26T15:25:39.645" v="592"/>
+          <ac:spMkLst>
+            <pc:docMk/>
+            <pc:sldMk cId="1096421706" sldId="263"/>
+            <ac:spMk id="10" creationId="{D36664BE-D620-8582-3E59-5267ED061019}"/>
+          </ac:spMkLst>
+        </pc:spChg>
+        <pc:spChg chg="add mod ord">
+          <ac:chgData name="Lourdes L." userId="b4e5647feec35335" providerId="LiveId" clId="{5FF4F765-A8BF-49B2-85EB-EAB9064752CE}" dt="2023-07-26T16:04:28.460" v="1134" actId="1036"/>
+          <ac:spMkLst>
+            <pc:docMk/>
+            <pc:sldMk cId="1096421706" sldId="263"/>
+            <ac:spMk id="11" creationId="{967D7898-408F-4922-A75B-403CA5E0FCB6}"/>
+          </ac:spMkLst>
+        </pc:spChg>
+        <pc:graphicFrameChg chg="add del mod">
+          <ac:chgData name="Lourdes L." userId="b4e5647feec35335" providerId="LiveId" clId="{5FF4F765-A8BF-49B2-85EB-EAB9064752CE}" dt="2023-07-26T15:25:38.164" v="591" actId="478"/>
+          <ac:graphicFrameMkLst>
+            <pc:docMk/>
+            <pc:sldMk cId="1096421706" sldId="263"/>
+            <ac:graphicFrameMk id="8" creationId="{00000000-0008-0000-0100-000002000000}"/>
+          </ac:graphicFrameMkLst>
+        </pc:graphicFrameChg>
+        <pc:graphicFrameChg chg="add mod">
+          <ac:chgData name="Lourdes L." userId="b4e5647feec35335" providerId="LiveId" clId="{5FF4F765-A8BF-49B2-85EB-EAB9064752CE}" dt="2023-07-26T16:04:28.460" v="1134" actId="1036"/>
+          <ac:graphicFrameMkLst>
+            <pc:docMk/>
+            <pc:sldMk cId="1096421706" sldId="263"/>
+            <ac:graphicFrameMk id="12" creationId="{21F06990-3460-F203-6019-4EDE148D4B75}"/>
+          </ac:graphicFrameMkLst>
+        </pc:graphicFrameChg>
+        <pc:graphicFrameChg chg="add mod">
+          <ac:chgData name="Lourdes L." userId="b4e5647feec35335" providerId="LiveId" clId="{5FF4F765-A8BF-49B2-85EB-EAB9064752CE}" dt="2023-07-26T16:04:28.460" v="1134" actId="1036"/>
+          <ac:graphicFrameMkLst>
+            <pc:docMk/>
+            <pc:sldMk cId="1096421706" sldId="263"/>
+            <ac:graphicFrameMk id="13" creationId="{00000000-0008-0000-0100-000002000000}"/>
+          </ac:graphicFrameMkLst>
+        </pc:graphicFrameChg>
+      </pc:sldChg>
+      <pc:sldChg chg="addSp delSp modSp add del mod setBg">
+        <pc:chgData name="Lourdes L." userId="b4e5647feec35335" providerId="LiveId" clId="{5FF4F765-A8BF-49B2-85EB-EAB9064752CE}" dt="2023-07-26T15:04:03.737" v="104" actId="2890"/>
+        <pc:sldMkLst>
+          <pc:docMk/>
+          <pc:sldMk cId="3282700234" sldId="263"/>
+        </pc:sldMkLst>
+        <pc:spChg chg="mod">
+          <ac:chgData name="Lourdes L." userId="b4e5647feec35335" providerId="LiveId" clId="{5FF4F765-A8BF-49B2-85EB-EAB9064752CE}" dt="2023-07-26T15:04:03.629" v="103" actId="207"/>
+          <ac:spMkLst>
+            <pc:docMk/>
+            <pc:sldMk cId="3282700234" sldId="263"/>
+            <ac:spMk id="2" creationId="{03BA4BD2-B119-479F-358B-4283FC795868}"/>
+          </ac:spMkLst>
+        </pc:spChg>
+        <pc:spChg chg="mod">
+          <ac:chgData name="Lourdes L." userId="b4e5647feec35335" providerId="LiveId" clId="{5FF4F765-A8BF-49B2-85EB-EAB9064752CE}" dt="2023-07-26T15:04:03.629" v="103" actId="207"/>
+          <ac:spMkLst>
+            <pc:docMk/>
+            <pc:sldMk cId="3282700234" sldId="263"/>
+            <ac:spMk id="5" creationId="{51BD9C73-9DCB-B9AC-4B93-DEBCDCA59A7F}"/>
+          </ac:spMkLst>
+        </pc:spChg>
+        <pc:picChg chg="add del">
+          <ac:chgData name="Lourdes L." userId="b4e5647feec35335" providerId="LiveId" clId="{5FF4F765-A8BF-49B2-85EB-EAB9064752CE}" dt="2023-07-26T15:04:02.916" v="101" actId="478"/>
+          <ac:picMkLst>
+            <pc:docMk/>
+            <pc:sldMk cId="3282700234" sldId="263"/>
+            <ac:picMk id="3074" creationId="{40B00974-68DC-4F15-F99B-546AA193C5AE}"/>
+          </ac:picMkLst>
+        </pc:picChg>
+      </pc:sldChg>
+      <pc:sldChg chg="addSp delSp modSp add mod ord">
+        <pc:chgData name="Lourdes L." userId="b4e5647feec35335" providerId="LiveId" clId="{5FF4F765-A8BF-49B2-85EB-EAB9064752CE}" dt="2023-07-26T16:48:55.960" v="1413" actId="1076"/>
+        <pc:sldMkLst>
+          <pc:docMk/>
+          <pc:sldMk cId="2238822361" sldId="264"/>
+        </pc:sldMkLst>
+        <pc:spChg chg="mod">
+          <ac:chgData name="Lourdes L." userId="b4e5647feec35335" providerId="LiveId" clId="{5FF4F765-A8BF-49B2-85EB-EAB9064752CE}" dt="2023-07-26T16:48:55.960" v="1413" actId="1076"/>
+          <ac:spMkLst>
+            <pc:docMk/>
+            <pc:sldMk cId="2238822361" sldId="264"/>
+            <ac:spMk id="2" creationId="{F5C173AF-11E3-AA6C-FF54-658A2AE746FE}"/>
+          </ac:spMkLst>
+        </pc:spChg>
+        <pc:spChg chg="del">
+          <ac:chgData name="Lourdes L." userId="b4e5647feec35335" providerId="LiveId" clId="{5FF4F765-A8BF-49B2-85EB-EAB9064752CE}" dt="2023-07-26T16:48:51.111" v="1411" actId="478"/>
+          <ac:spMkLst>
+            <pc:docMk/>
+            <pc:sldMk cId="2238822361" sldId="264"/>
+            <ac:spMk id="3" creationId="{59DBC92C-4EA3-D765-3742-DBB53EBD7942}"/>
+          </ac:spMkLst>
+        </pc:spChg>
+        <pc:spChg chg="add del mod">
+          <ac:chgData name="Lourdes L." userId="b4e5647feec35335" providerId="LiveId" clId="{5FF4F765-A8BF-49B2-85EB-EAB9064752CE}" dt="2023-07-26T16:48:52.715" v="1412" actId="478"/>
+          <ac:spMkLst>
+            <pc:docMk/>
+            <pc:sldMk cId="2238822361" sldId="264"/>
+            <ac:spMk id="6" creationId="{011D17CF-A977-375B-C49C-873EE03DAE06}"/>
+          </ac:spMkLst>
+        </pc:spChg>
+      </pc:sldChg>
+    </pc:docChg>
+  </pc:docChgLst>
+</pc:chgInfo>
+</file>
+
+<file path=ppt/charts/chart1.xml><?xml version="1.0" encoding="utf-8"?>
+<c:chartSpace xmlns:c="http://schemas.openxmlformats.org/drawingml/2006/chart" xmlns:a="http://schemas.openxmlformats.org/drawingml/2006/main" xmlns:r="http://schemas.openxmlformats.org/officeDocument/2006/relationships" xmlns:c16r2="http://schemas.microsoft.com/office/drawing/2015/06/chart">
+  <c:date1904 val="0"/>
+  <c:lang val="en-US"/>
+  <c:roundedCorners val="1"/>
+  <mc:AlternateContent xmlns:mc="http://schemas.openxmlformats.org/markup-compatibility/2006">
+    <mc:Choice xmlns:c14="http://schemas.microsoft.com/office/drawing/2007/8/2/chart" Requires="c14">
+      <c14:style val="102"/>
+    </mc:Choice>
+    <mc:Fallback>
+      <c:style val="2"/>
+    </mc:Fallback>
+  </mc:AlternateContent>
+  <c:chart>
+    <c:title>
+      <c:tx>
+        <c:rich>
+          <a:bodyPr/>
+          <a:lstStyle/>
+          <a:p>
+            <a:pPr>
+              <a:defRPr sz="2800"/>
+            </a:pPr>
+            <a:r>
+              <a:rPr lang="en-US" sz="2800"/>
+              <a:t>Asfalto</a:t>
+            </a:r>
+          </a:p>
+        </c:rich>
+      </c:tx>
+      <c:overlay val="0"/>
+    </c:title>
+    <c:autoTitleDeleted val="0"/>
+    <c:plotArea>
+      <c:layout/>
+      <c:pieChart>
+        <c:varyColors val="1"/>
+        <c:ser>
+          <c:idx val="0"/>
+          <c:order val="0"/>
+          <c:dPt>
+            <c:idx val="0"/>
+            <c:bubble3D val="0"/>
+            <c:spPr>
+              <a:solidFill>
+                <a:srgbClr val="4285F4"/>
+              </a:solidFill>
+            </c:spPr>
+            <c:extLst>
+              <c:ext xmlns:c16="http://schemas.microsoft.com/office/drawing/2014/chart" uri="{C3380CC4-5D6E-409C-BE32-E72D297353CC}">
+                <c16:uniqueId val="{00000001-793F-4D0B-A9B6-B943D99E1FF5}"/>
+              </c:ext>
+            </c:extLst>
+          </c:dPt>
+          <c:dPt>
+            <c:idx val="1"/>
+            <c:bubble3D val="0"/>
+            <c:spPr>
+              <a:solidFill>
+                <a:srgbClr val="EA4335"/>
+              </a:solidFill>
+            </c:spPr>
+            <c:extLst>
+              <c:ext xmlns:c16="http://schemas.microsoft.com/office/drawing/2014/chart" uri="{C3380CC4-5D6E-409C-BE32-E72D297353CC}">
+                <c16:uniqueId val="{00000003-793F-4D0B-A9B6-B943D99E1FF5}"/>
+              </c:ext>
+            </c:extLst>
+          </c:dPt>
+          <c:dPt>
+            <c:idx val="2"/>
+            <c:bubble3D val="0"/>
+            <c:spPr>
+              <a:solidFill>
+                <a:srgbClr val="FBBC04"/>
+              </a:solidFill>
+            </c:spPr>
+            <c:extLst>
+              <c:ext xmlns:c16="http://schemas.microsoft.com/office/drawing/2014/chart" uri="{C3380CC4-5D6E-409C-BE32-E72D297353CC}">
+                <c16:uniqueId val="{00000005-793F-4D0B-A9B6-B943D99E1FF5}"/>
+              </c:ext>
+            </c:extLst>
+          </c:dPt>
+          <c:dPt>
+            <c:idx val="3"/>
+            <c:bubble3D val="0"/>
+            <c:spPr>
+              <a:solidFill>
+                <a:srgbClr val="34A853"/>
+              </a:solidFill>
+            </c:spPr>
+            <c:extLst>
+              <c:ext xmlns:c16="http://schemas.microsoft.com/office/drawing/2014/chart" uri="{C3380CC4-5D6E-409C-BE32-E72D297353CC}">
+                <c16:uniqueId val="{00000007-793F-4D0B-A9B6-B943D99E1FF5}"/>
+              </c:ext>
+            </c:extLst>
+          </c:dPt>
+          <c:dPt>
+            <c:idx val="4"/>
+            <c:bubble3D val="0"/>
+            <c:spPr>
+              <a:solidFill>
+                <a:srgbClr val="FF6D01"/>
+              </a:solidFill>
+            </c:spPr>
+            <c:extLst>
+              <c:ext xmlns:c16="http://schemas.microsoft.com/office/drawing/2014/chart" uri="{C3380CC4-5D6E-409C-BE32-E72D297353CC}">
+                <c16:uniqueId val="{00000009-793F-4D0B-A9B6-B943D99E1FF5}"/>
+              </c:ext>
+            </c:extLst>
+          </c:dPt>
+          <c:dPt>
+            <c:idx val="5"/>
+            <c:bubble3D val="0"/>
+            <c:spPr>
+              <a:solidFill>
+                <a:srgbClr val="46BDC6"/>
+              </a:solidFill>
+            </c:spPr>
+            <c:extLst>
+              <c:ext xmlns:c16="http://schemas.microsoft.com/office/drawing/2014/chart" uri="{C3380CC4-5D6E-409C-BE32-E72D297353CC}">
+                <c16:uniqueId val="{0000000B-793F-4D0B-A9B6-B943D99E1FF5}"/>
+              </c:ext>
+            </c:extLst>
+          </c:dPt>
+          <c:dPt>
+            <c:idx val="6"/>
+            <c:bubble3D val="0"/>
+            <c:spPr>
+              <a:solidFill>
+                <a:srgbClr val="7BAAF7"/>
+              </a:solidFill>
+            </c:spPr>
+            <c:extLst>
+              <c:ext xmlns:c16="http://schemas.microsoft.com/office/drawing/2014/chart" uri="{C3380CC4-5D6E-409C-BE32-E72D297353CC}">
+                <c16:uniqueId val="{0000000D-793F-4D0B-A9B6-B943D99E1FF5}"/>
+              </c:ext>
+            </c:extLst>
+          </c:dPt>
+          <c:dPt>
+            <c:idx val="7"/>
+            <c:bubble3D val="0"/>
+            <c:spPr>
+              <a:solidFill>
+                <a:srgbClr val="F07B72"/>
+              </a:solidFill>
+            </c:spPr>
+            <c:extLst>
+              <c:ext xmlns:c16="http://schemas.microsoft.com/office/drawing/2014/chart" uri="{C3380CC4-5D6E-409C-BE32-E72D297353CC}">
+                <c16:uniqueId val="{0000000F-793F-4D0B-A9B6-B943D99E1FF5}"/>
+              </c:ext>
+            </c:extLst>
+          </c:dPt>
+          <c:cat>
+            <c:strRef>
+              <c:f>Histogramas!$A$3:$A$10</c:f>
+              <c:strCache>
+                <c:ptCount val="8"/>
+                <c:pt idx="0">
+                  <c:v>Húmeda</c:v>
+                </c:pt>
+                <c:pt idx="1">
+                  <c:v>Húmeda buena</c:v>
+                </c:pt>
+                <c:pt idx="2">
+                  <c:v>Húmeda defectuosa</c:v>
+                </c:pt>
+                <c:pt idx="3">
+                  <c:v>Húmeda en reparación</c:v>
+                </c:pt>
+                <c:pt idx="4">
+                  <c:v>Seca</c:v>
+                </c:pt>
+                <c:pt idx="5">
+                  <c:v>Seca buena</c:v>
+                </c:pt>
+                <c:pt idx="6">
+                  <c:v>Seca defectuosa</c:v>
+                </c:pt>
+                <c:pt idx="7">
+                  <c:v>Seca en reparación</c:v>
+                </c:pt>
+              </c:strCache>
+            </c:strRef>
+          </c:cat>
+          <c:val>
+            <c:numRef>
+              <c:f>Histogramas!$B$3:$B$10</c:f>
+              <c:numCache>
+                <c:formatCode>General</c:formatCode>
+                <c:ptCount val="8"/>
+                <c:pt idx="0">
+                  <c:v>1315</c:v>
+                </c:pt>
+                <c:pt idx="1">
+                  <c:v>2010</c:v>
+                </c:pt>
+                <c:pt idx="2">
+                  <c:v>173</c:v>
+                </c:pt>
+                <c:pt idx="3">
+                  <c:v>20</c:v>
+                </c:pt>
+                <c:pt idx="4">
+                  <c:v>1662</c:v>
+                </c:pt>
+                <c:pt idx="5">
+                  <c:v>17403</c:v>
+                </c:pt>
+                <c:pt idx="6">
+                  <c:v>439</c:v>
+                </c:pt>
+                <c:pt idx="7">
+                  <c:v>113</c:v>
+                </c:pt>
+              </c:numCache>
+            </c:numRef>
+          </c:val>
+          <c:extLst>
+            <c:ext xmlns:c16="http://schemas.microsoft.com/office/drawing/2014/chart" uri="{C3380CC4-5D6E-409C-BE32-E72D297353CC}">
+              <c16:uniqueId val="{00000010-793F-4D0B-A9B6-B943D99E1FF5}"/>
+            </c:ext>
+          </c:extLst>
+        </c:ser>
+        <c:dLbls>
+          <c:showLegendKey val="0"/>
+          <c:showVal val="0"/>
+          <c:showCatName val="0"/>
+          <c:showSerName val="0"/>
+          <c:showPercent val="0"/>
+          <c:showBubbleSize val="0"/>
+          <c:showLeaderLines val="1"/>
+        </c:dLbls>
+        <c:firstSliceAng val="0"/>
+      </c:pieChart>
+    </c:plotArea>
+    <c:legend>
+      <c:legendPos val="r"/>
+      <c:overlay val="0"/>
+    </c:legend>
+    <c:plotVisOnly val="1"/>
+    <c:dispBlanksAs val="zero"/>
+    <c:showDLblsOverMax val="1"/>
+  </c:chart>
+  <c:spPr>
+    <a:solidFill>
+      <a:schemeClr val="bg1"/>
+    </a:solidFill>
+  </c:spPr>
+  <c:txPr>
+    <a:bodyPr/>
+    <a:lstStyle/>
+    <a:p>
+      <a:pPr>
+        <a:defRPr sz="1400">
+          <a:latin typeface="Alte Haas Grotesk" panose="02000503000000020004" pitchFamily="2" charset="0"/>
+        </a:defRPr>
+      </a:pPr>
+      <a:endParaRPr lang="en-US"/>
+    </a:p>
+  </c:txPr>
+  <c:externalData r:id="rId1">
+    <c:autoUpdate val="0"/>
+  </c:externalData>
+</c:chartSpace>
+</file>
+
+<file path=ppt/charts/chart2.xml><?xml version="1.0" encoding="utf-8"?>
+<c:chartSpace xmlns:c="http://schemas.openxmlformats.org/drawingml/2006/chart" xmlns:a="http://schemas.openxmlformats.org/drawingml/2006/main" xmlns:r="http://schemas.openxmlformats.org/officeDocument/2006/relationships" xmlns:c16r2="http://schemas.microsoft.com/office/drawing/2015/06/chart">
+  <c:date1904 val="0"/>
+  <c:lang val="en-US"/>
+  <c:roundedCorners val="1"/>
+  <mc:AlternateContent xmlns:mc="http://schemas.openxmlformats.org/markup-compatibility/2006">
+    <mc:Choice xmlns:c14="http://schemas.microsoft.com/office/drawing/2007/8/2/chart" Requires="c14">
+      <c14:style val="102"/>
+    </mc:Choice>
+    <mc:Fallback>
+      <c:style val="2"/>
+    </mc:Fallback>
+  </mc:AlternateContent>
+  <c:chart>
+    <c:title>
+      <c:tx>
+        <c:rich>
+          <a:bodyPr rot="0" spcFirstLastPara="1" vertOverflow="ellipsis" vert="horz" wrap="square" anchor="ctr" anchorCtr="1"/>
+          <a:lstStyle/>
+          <a:p>
+            <a:pPr>
+              <a:defRPr sz="1400" b="0" i="0" u="none" strike="noStrike" kern="1200" spc="0" baseline="0">
+                <a:solidFill>
+                  <a:schemeClr val="tx1">
+                    <a:lumMod val="65000"/>
+                    <a:lumOff val="35000"/>
+                  </a:schemeClr>
+                </a:solidFill>
+                <a:latin typeface="Arial" panose="020B0604020202020204" pitchFamily="34" charset="0"/>
+                <a:ea typeface="+mn-ea"/>
+                <a:cs typeface="Arial" panose="020B0604020202020204" pitchFamily="34" charset="0"/>
+              </a:defRPr>
+            </a:pPr>
+            <a:r>
+              <a:rPr lang="es-ES"/>
+              <a:t>Total de embarazos por años</a:t>
+            </a:r>
+          </a:p>
+        </c:rich>
+      </c:tx>
+      <c:overlay val="0"/>
+      <c:spPr>
+        <a:noFill/>
+        <a:ln>
+          <a:noFill/>
+        </a:ln>
+        <a:effectLst/>
+      </c:spPr>
+      <c:txPr>
+        <a:bodyPr rot="0" spcFirstLastPara="1" vertOverflow="ellipsis" vert="horz" wrap="square" anchor="ctr" anchorCtr="1"/>
+        <a:lstStyle/>
+        <a:p>
+          <a:pPr>
+            <a:defRPr sz="1400" b="0" i="0" u="none" strike="noStrike" kern="1200" spc="0" baseline="0">
+              <a:solidFill>
+                <a:schemeClr val="tx1">
+                  <a:lumMod val="65000"/>
+                  <a:lumOff val="35000"/>
+                </a:schemeClr>
+              </a:solidFill>
+              <a:latin typeface="Arial" panose="020B0604020202020204" pitchFamily="34" charset="0"/>
+              <a:ea typeface="+mn-ea"/>
+              <a:cs typeface="Arial" panose="020B0604020202020204" pitchFamily="34" charset="0"/>
+            </a:defRPr>
+          </a:pPr>
+          <a:endParaRPr lang="en-US"/>
+        </a:p>
+      </c:txPr>
+    </c:title>
+    <c:autoTitleDeleted val="0"/>
+    <c:plotArea>
+      <c:layout/>
+      <c:barChart>
+        <c:barDir val="col"/>
+        <c:grouping val="clustered"/>
+        <c:varyColors val="1"/>
+        <c:ser>
+          <c:idx val="0"/>
+          <c:order val="0"/>
+          <c:tx>
+            <c:strRef>
+              <c:f>'Análisis Previo'!$G$4:$H$4</c:f>
+              <c:strCache>
+                <c:ptCount val="2"/>
+                <c:pt idx="0">
+                  <c:v>Total de embarazos por años</c:v>
+                </c:pt>
+                <c:pt idx="1">
+                  <c:v>608</c:v>
+                </c:pt>
+              </c:strCache>
+            </c:strRef>
+          </c:tx>
+          <c:invertIfNegative val="1"/>
+          <c:dPt>
+            <c:idx val="0"/>
+            <c:invertIfNegative val="1"/>
+            <c:bubble3D val="0"/>
+            <c:spPr>
+              <a:solidFill>
+                <a:schemeClr val="accent1"/>
+              </a:solidFill>
+              <a:ln>
+                <a:noFill/>
+              </a:ln>
+              <a:effectLst/>
+            </c:spPr>
+            <c:extLst>
+              <c:ext xmlns:c16="http://schemas.microsoft.com/office/drawing/2014/chart" uri="{C3380CC4-5D6E-409C-BE32-E72D297353CC}">
+                <c16:uniqueId val="{00000001-9201-4F05-948C-C1E12E7D09E6}"/>
+              </c:ext>
+            </c:extLst>
+          </c:dPt>
+          <c:dPt>
+            <c:idx val="1"/>
+            <c:invertIfNegative val="1"/>
+            <c:bubble3D val="0"/>
+            <c:spPr>
+              <a:solidFill>
+                <a:schemeClr val="accent2"/>
+              </a:solidFill>
+              <a:ln>
+                <a:noFill/>
+              </a:ln>
+              <a:effectLst/>
+            </c:spPr>
+            <c:extLst>
+              <c:ext xmlns:c16="http://schemas.microsoft.com/office/drawing/2014/chart" uri="{C3380CC4-5D6E-409C-BE32-E72D297353CC}">
+                <c16:uniqueId val="{00000003-9201-4F05-948C-C1E12E7D09E6}"/>
+              </c:ext>
+            </c:extLst>
+          </c:dPt>
+          <c:dPt>
+            <c:idx val="2"/>
+            <c:invertIfNegative val="1"/>
+            <c:bubble3D val="0"/>
+            <c:spPr>
+              <a:solidFill>
+                <a:schemeClr val="accent3"/>
+              </a:solidFill>
+              <a:ln>
+                <a:noFill/>
+              </a:ln>
+              <a:effectLst/>
+            </c:spPr>
+            <c:extLst>
+              <c:ext xmlns:c16="http://schemas.microsoft.com/office/drawing/2014/chart" uri="{C3380CC4-5D6E-409C-BE32-E72D297353CC}">
+                <c16:uniqueId val="{00000005-9201-4F05-948C-C1E12E7D09E6}"/>
+              </c:ext>
+            </c:extLst>
+          </c:dPt>
+          <c:dPt>
+            <c:idx val="3"/>
+            <c:invertIfNegative val="1"/>
+            <c:bubble3D val="0"/>
+            <c:spPr>
+              <a:solidFill>
+                <a:schemeClr val="accent4"/>
+              </a:solidFill>
+              <a:ln>
+                <a:noFill/>
+              </a:ln>
+              <a:effectLst/>
+            </c:spPr>
+            <c:extLst>
+              <c:ext xmlns:c16="http://schemas.microsoft.com/office/drawing/2014/chart" uri="{C3380CC4-5D6E-409C-BE32-E72D297353CC}">
+                <c16:uniqueId val="{00000007-9201-4F05-948C-C1E12E7D09E6}"/>
+              </c:ext>
+            </c:extLst>
+          </c:dPt>
+          <c:dPt>
+            <c:idx val="4"/>
+            <c:invertIfNegative val="1"/>
+            <c:bubble3D val="0"/>
+            <c:spPr>
+              <a:solidFill>
+                <a:schemeClr val="accent5"/>
+              </a:solidFill>
+              <a:ln>
+                <a:noFill/>
+              </a:ln>
+              <a:effectLst/>
+            </c:spPr>
+            <c:extLst>
+              <c:ext xmlns:c16="http://schemas.microsoft.com/office/drawing/2014/chart" uri="{C3380CC4-5D6E-409C-BE32-E72D297353CC}">
+                <c16:uniqueId val="{00000009-9201-4F05-948C-C1E12E7D09E6}"/>
+              </c:ext>
+            </c:extLst>
+          </c:dPt>
+          <c:dPt>
+            <c:idx val="5"/>
+            <c:invertIfNegative val="1"/>
+            <c:bubble3D val="0"/>
+            <c:spPr>
+              <a:solidFill>
+                <a:schemeClr val="accent6"/>
+              </a:solidFill>
+              <a:ln>
+                <a:noFill/>
+              </a:ln>
+              <a:effectLst/>
+            </c:spPr>
+            <c:extLst>
+              <c:ext xmlns:c16="http://schemas.microsoft.com/office/drawing/2014/chart" uri="{C3380CC4-5D6E-409C-BE32-E72D297353CC}">
+                <c16:uniqueId val="{0000000B-9201-4F05-948C-C1E12E7D09E6}"/>
+              </c:ext>
+            </c:extLst>
+          </c:dPt>
+          <c:dPt>
+            <c:idx val="6"/>
+            <c:invertIfNegative val="1"/>
+            <c:bubble3D val="0"/>
+            <c:spPr>
+              <a:solidFill>
+                <a:schemeClr val="accent1">
+                  <a:lumMod val="60000"/>
+                </a:schemeClr>
+              </a:solidFill>
+              <a:ln>
+                <a:noFill/>
+              </a:ln>
+              <a:effectLst/>
+            </c:spPr>
+            <c:extLst>
+              <c:ext xmlns:c16="http://schemas.microsoft.com/office/drawing/2014/chart" uri="{C3380CC4-5D6E-409C-BE32-E72D297353CC}">
+                <c16:uniqueId val="{0000000D-9201-4F05-948C-C1E12E7D09E6}"/>
+              </c:ext>
+            </c:extLst>
+          </c:dPt>
+          <c:dPt>
+            <c:idx val="7"/>
+            <c:invertIfNegative val="1"/>
+            <c:bubble3D val="0"/>
+            <c:spPr>
+              <a:solidFill>
+                <a:schemeClr val="accent2">
+                  <a:lumMod val="60000"/>
+                </a:schemeClr>
+              </a:solidFill>
+              <a:ln>
+                <a:noFill/>
+              </a:ln>
+              <a:effectLst/>
+            </c:spPr>
+            <c:extLst>
+              <c:ext xmlns:c16="http://schemas.microsoft.com/office/drawing/2014/chart" uri="{C3380CC4-5D6E-409C-BE32-E72D297353CC}">
+                <c16:uniqueId val="{0000000F-9201-4F05-948C-C1E12E7D09E6}"/>
+              </c:ext>
+            </c:extLst>
+          </c:dPt>
+          <c:dPt>
+            <c:idx val="8"/>
+            <c:invertIfNegative val="1"/>
+            <c:bubble3D val="0"/>
+            <c:spPr>
+              <a:solidFill>
+                <a:schemeClr val="accent3">
+                  <a:lumMod val="60000"/>
+                </a:schemeClr>
+              </a:solidFill>
+              <a:ln>
+                <a:noFill/>
+              </a:ln>
+              <a:effectLst/>
+            </c:spPr>
+            <c:extLst>
+              <c:ext xmlns:c16="http://schemas.microsoft.com/office/drawing/2014/chart" uri="{C3380CC4-5D6E-409C-BE32-E72D297353CC}">
+                <c16:uniqueId val="{00000011-9201-4F05-948C-C1E12E7D09E6}"/>
+              </c:ext>
+            </c:extLst>
+          </c:dPt>
+          <c:dPt>
+            <c:idx val="9"/>
+            <c:invertIfNegative val="1"/>
+            <c:bubble3D val="0"/>
+            <c:spPr>
+              <a:solidFill>
+                <a:schemeClr val="accent4">
+                  <a:lumMod val="60000"/>
+                </a:schemeClr>
+              </a:solidFill>
+              <a:ln>
+                <a:noFill/>
+              </a:ln>
+              <a:effectLst/>
+            </c:spPr>
+            <c:extLst>
+              <c:ext xmlns:c16="http://schemas.microsoft.com/office/drawing/2014/chart" uri="{C3380CC4-5D6E-409C-BE32-E72D297353CC}">
+                <c16:uniqueId val="{00000013-9201-4F05-948C-C1E12E7D09E6}"/>
+              </c:ext>
+            </c:extLst>
+          </c:dPt>
+          <c:dLbls>
+            <c:spPr>
+              <a:noFill/>
+              <a:ln>
+                <a:noFill/>
+              </a:ln>
+              <a:effectLst/>
+            </c:spPr>
+            <c:txPr>
+              <a:bodyPr rot="0" spcFirstLastPara="1" vertOverflow="ellipsis" vert="horz" wrap="square" anchor="ctr" anchorCtr="1"/>
+              <a:lstStyle/>
+              <a:p>
+                <a:pPr>
+                  <a:defRPr sz="900" b="0" i="0" u="none" strike="noStrike" kern="1200" baseline="0">
+                    <a:solidFill>
+                      <a:schemeClr val="tx1">
+                        <a:lumMod val="75000"/>
+                        <a:lumOff val="25000"/>
+                      </a:schemeClr>
+                    </a:solidFill>
+                    <a:latin typeface="Arial" panose="020B0604020202020204" pitchFamily="34" charset="0"/>
+                    <a:ea typeface="+mn-ea"/>
+                    <a:cs typeface="Arial" panose="020B0604020202020204" pitchFamily="34" charset="0"/>
+                  </a:defRPr>
+                </a:pPr>
+                <a:endParaRPr lang="en-US"/>
+              </a:p>
+            </c:txPr>
+            <c:showLegendKey val="0"/>
+            <c:showVal val="1"/>
+            <c:showCatName val="0"/>
+            <c:showSerName val="0"/>
+            <c:showPercent val="0"/>
+            <c:showBubbleSize val="0"/>
+            <c:showLeaderLines val="0"/>
+            <c:extLst>
+              <c:ext xmlns:c15="http://schemas.microsoft.com/office/drawing/2012/chart" uri="{CE6537A1-D6FC-4f65-9D91-7224C49458BB}">
+                <c15:showLeaderLines val="0"/>
+              </c:ext>
+            </c:extLst>
+          </c:dLbls>
+          <c:cat>
+            <c:numRef>
+              <c:f>'Análisis Previo'!$I$3:$R$3</c:f>
+              <c:numCache>
+                <c:formatCode>General</c:formatCode>
+                <c:ptCount val="10"/>
+                <c:pt idx="0">
+                  <c:v>2011</c:v>
+                </c:pt>
+                <c:pt idx="1">
+                  <c:v>2012</c:v>
+                </c:pt>
+                <c:pt idx="2">
+                  <c:v>2013</c:v>
+                </c:pt>
+                <c:pt idx="3">
+                  <c:v>2014</c:v>
+                </c:pt>
+                <c:pt idx="4">
+                  <c:v>2015</c:v>
+                </c:pt>
+                <c:pt idx="5">
+                  <c:v>2016</c:v>
+                </c:pt>
+                <c:pt idx="6">
+                  <c:v>2017</c:v>
+                </c:pt>
+                <c:pt idx="7">
+                  <c:v>2018</c:v>
+                </c:pt>
+                <c:pt idx="8">
+                  <c:v>2019</c:v>
+                </c:pt>
+                <c:pt idx="9">
+                  <c:v>2020</c:v>
+                </c:pt>
+              </c:numCache>
+            </c:numRef>
+          </c:cat>
+          <c:val>
+            <c:numRef>
+              <c:f>'Análisis Previo'!$I$4:$R$4</c:f>
+              <c:numCache>
+                <c:formatCode>General</c:formatCode>
+                <c:ptCount val="10"/>
+                <c:pt idx="0">
+                  <c:v>641</c:v>
+                </c:pt>
+                <c:pt idx="1">
+                  <c:v>575</c:v>
+                </c:pt>
+                <c:pt idx="2">
+                  <c:v>666</c:v>
+                </c:pt>
+                <c:pt idx="3">
+                  <c:v>669</c:v>
+                </c:pt>
+                <c:pt idx="4">
+                  <c:v>603</c:v>
+                </c:pt>
+                <c:pt idx="5">
+                  <c:v>506</c:v>
+                </c:pt>
+                <c:pt idx="6">
+                  <c:v>517</c:v>
+                </c:pt>
+                <c:pt idx="7">
+                  <c:v>522</c:v>
+                </c:pt>
+                <c:pt idx="8">
+                  <c:v>458</c:v>
+                </c:pt>
+                <c:pt idx="9">
+                  <c:v>393</c:v>
+                </c:pt>
+              </c:numCache>
+            </c:numRef>
+          </c:val>
+          <c:extLst>
+            <c:ext xmlns:c16="http://schemas.microsoft.com/office/drawing/2014/chart" uri="{C3380CC4-5D6E-409C-BE32-E72D297353CC}">
+              <c16:uniqueId val="{00000014-9201-4F05-948C-C1E12E7D09E6}"/>
+            </c:ext>
+          </c:extLst>
+        </c:ser>
+        <c:dLbls>
+          <c:showLegendKey val="0"/>
+          <c:showVal val="0"/>
+          <c:showCatName val="0"/>
+          <c:showSerName val="0"/>
+          <c:showPercent val="0"/>
+          <c:showBubbleSize val="0"/>
+        </c:dLbls>
+        <c:gapWidth val="219"/>
+        <c:overlap val="-27"/>
+        <c:axId val="175219783"/>
+        <c:axId val="728358682"/>
+      </c:barChart>
+      <c:catAx>
+        <c:axId val="175219783"/>
+        <c:scaling>
+          <c:orientation val="minMax"/>
+        </c:scaling>
+        <c:delete val="0"/>
+        <c:axPos val="b"/>
+        <c:title>
+          <c:tx>
+            <c:rich>
+              <a:bodyPr rot="0" spcFirstLastPara="1" vertOverflow="ellipsis" vert="horz" wrap="square" anchor="ctr" anchorCtr="1"/>
+              <a:lstStyle/>
+              <a:p>
+                <a:pPr>
+                  <a:defRPr sz="1000" b="0" i="0" u="none" strike="noStrike" kern="1200" baseline="0">
+                    <a:solidFill>
+                      <a:schemeClr val="tx1">
+                        <a:lumMod val="65000"/>
+                        <a:lumOff val="35000"/>
+                      </a:schemeClr>
+                    </a:solidFill>
+                    <a:latin typeface="Arial" panose="020B0604020202020204" pitchFamily="34" charset="0"/>
+                    <a:ea typeface="+mn-ea"/>
+                    <a:cs typeface="Arial" panose="020B0604020202020204" pitchFamily="34" charset="0"/>
+                  </a:defRPr>
+                </a:pPr>
+                <a:endParaRPr lang="es-ES"/>
+              </a:p>
+            </c:rich>
+          </c:tx>
+          <c:overlay val="0"/>
+          <c:spPr>
+            <a:noFill/>
+            <a:ln>
+              <a:noFill/>
+            </a:ln>
+            <a:effectLst/>
+          </c:spPr>
+          <c:txPr>
+            <a:bodyPr rot="0" spcFirstLastPara="1" vertOverflow="ellipsis" vert="horz" wrap="square" anchor="ctr" anchorCtr="1"/>
+            <a:lstStyle/>
+            <a:p>
+              <a:pPr>
+                <a:defRPr sz="1000" b="0" i="0" u="none" strike="noStrike" kern="1200" baseline="0">
+                  <a:solidFill>
+                    <a:schemeClr val="tx1">
+                      <a:lumMod val="65000"/>
+                      <a:lumOff val="35000"/>
+                    </a:schemeClr>
+                  </a:solidFill>
+                  <a:latin typeface="Arial" panose="020B0604020202020204" pitchFamily="34" charset="0"/>
+                  <a:ea typeface="+mn-ea"/>
+                  <a:cs typeface="Arial" panose="020B0604020202020204" pitchFamily="34" charset="0"/>
+                </a:defRPr>
+              </a:pPr>
+              <a:endParaRPr lang="en-US"/>
+            </a:p>
+          </c:txPr>
+        </c:title>
+        <c:numFmt formatCode="General" sourceLinked="1"/>
+        <c:majorTickMark val="none"/>
+        <c:minorTickMark val="none"/>
+        <c:tickLblPos val="nextTo"/>
+        <c:spPr>
+          <a:noFill/>
+          <a:ln w="9525" cap="flat" cmpd="sng" algn="ctr">
+            <a:solidFill>
+              <a:schemeClr val="tx1">
+                <a:lumMod val="15000"/>
+                <a:lumOff val="85000"/>
+              </a:schemeClr>
+            </a:solidFill>
+            <a:round/>
+          </a:ln>
+          <a:effectLst/>
+        </c:spPr>
+        <c:txPr>
+          <a:bodyPr rot="-1800000" spcFirstLastPara="1" vertOverflow="ellipsis" wrap="square" anchor="ctr" anchorCtr="1"/>
+          <a:lstStyle/>
+          <a:p>
+            <a:pPr>
+              <a:defRPr sz="900" b="0" i="0" u="none" strike="noStrike" kern="1200" baseline="0">
+                <a:solidFill>
+                  <a:schemeClr val="tx1">
+                    <a:lumMod val="65000"/>
+                    <a:lumOff val="35000"/>
+                  </a:schemeClr>
+                </a:solidFill>
+                <a:latin typeface="Arial" panose="020B0604020202020204" pitchFamily="34" charset="0"/>
+                <a:ea typeface="+mn-ea"/>
+                <a:cs typeface="Arial" panose="020B0604020202020204" pitchFamily="34" charset="0"/>
+              </a:defRPr>
+            </a:pPr>
+            <a:endParaRPr lang="en-US"/>
+          </a:p>
+        </c:txPr>
+        <c:crossAx val="728358682"/>
+        <c:crosses val="autoZero"/>
+        <c:auto val="1"/>
+        <c:lblAlgn val="ctr"/>
+        <c:lblOffset val="100"/>
+        <c:noMultiLvlLbl val="1"/>
+      </c:catAx>
+      <c:valAx>
+        <c:axId val="728358682"/>
+        <c:scaling>
+          <c:orientation val="minMax"/>
+          <c:max val="700"/>
+        </c:scaling>
+        <c:delete val="0"/>
+        <c:axPos val="l"/>
+        <c:majorGridlines>
+          <c:spPr>
+            <a:ln w="9525" cap="flat" cmpd="sng" algn="ctr">
+              <a:solidFill>
+                <a:schemeClr val="tx1">
+                  <a:lumMod val="15000"/>
+                  <a:lumOff val="85000"/>
+                </a:schemeClr>
+              </a:solidFill>
+              <a:round/>
+            </a:ln>
+            <a:effectLst/>
+          </c:spPr>
+        </c:majorGridlines>
+        <c:title>
+          <c:tx>
+            <c:rich>
+              <a:bodyPr rot="-5400000" spcFirstLastPara="1" vertOverflow="ellipsis" vert="horz" wrap="square" anchor="ctr" anchorCtr="1"/>
+              <a:lstStyle/>
+              <a:p>
+                <a:pPr>
+                  <a:defRPr sz="1000" b="0" i="0" u="none" strike="noStrike" kern="1200" baseline="0">
+                    <a:solidFill>
+                      <a:schemeClr val="tx1">
+                        <a:lumMod val="65000"/>
+                        <a:lumOff val="35000"/>
+                      </a:schemeClr>
+                    </a:solidFill>
+                    <a:latin typeface="Arial" panose="020B0604020202020204" pitchFamily="34" charset="0"/>
+                    <a:ea typeface="+mn-ea"/>
+                    <a:cs typeface="Arial" panose="020B0604020202020204" pitchFamily="34" charset="0"/>
+                  </a:defRPr>
+                </a:pPr>
+                <a:endParaRPr lang="es-ES"/>
+              </a:p>
+            </c:rich>
+          </c:tx>
+          <c:overlay val="0"/>
+          <c:spPr>
+            <a:noFill/>
+            <a:ln>
+              <a:noFill/>
+            </a:ln>
+            <a:effectLst/>
+          </c:spPr>
+          <c:txPr>
+            <a:bodyPr rot="-5400000" spcFirstLastPara="1" vertOverflow="ellipsis" vert="horz" wrap="square" anchor="ctr" anchorCtr="1"/>
+            <a:lstStyle/>
+            <a:p>
+              <a:pPr>
+                <a:defRPr sz="1000" b="0" i="0" u="none" strike="noStrike" kern="1200" baseline="0">
+                  <a:solidFill>
+                    <a:schemeClr val="tx1">
+                      <a:lumMod val="65000"/>
+                      <a:lumOff val="35000"/>
+                    </a:schemeClr>
+                  </a:solidFill>
+                  <a:latin typeface="Arial" panose="020B0604020202020204" pitchFamily="34" charset="0"/>
+                  <a:ea typeface="+mn-ea"/>
+                  <a:cs typeface="Arial" panose="020B0604020202020204" pitchFamily="34" charset="0"/>
+                </a:defRPr>
+              </a:pPr>
+              <a:endParaRPr lang="en-US"/>
+            </a:p>
+          </c:txPr>
+        </c:title>
+        <c:numFmt formatCode="General" sourceLinked="1"/>
+        <c:majorTickMark val="none"/>
+        <c:minorTickMark val="none"/>
+        <c:tickLblPos val="nextTo"/>
+        <c:spPr>
+          <a:noFill/>
+          <a:ln>
+            <a:noFill/>
+          </a:ln>
+          <a:effectLst/>
+        </c:spPr>
+        <c:txPr>
+          <a:bodyPr rot="-60000000" spcFirstLastPara="1" vertOverflow="ellipsis" vert="horz" wrap="square" anchor="ctr" anchorCtr="1"/>
+          <a:lstStyle/>
+          <a:p>
+            <a:pPr>
+              <a:defRPr sz="900" b="0" i="0" u="none" strike="noStrike" kern="1200" baseline="0">
+                <a:solidFill>
+                  <a:schemeClr val="tx1">
+                    <a:lumMod val="65000"/>
+                    <a:lumOff val="35000"/>
+                  </a:schemeClr>
+                </a:solidFill>
+                <a:latin typeface="Arial" panose="020B0604020202020204" pitchFamily="34" charset="0"/>
+                <a:ea typeface="+mn-ea"/>
+                <a:cs typeface="Arial" panose="020B0604020202020204" pitchFamily="34" charset="0"/>
+              </a:defRPr>
+            </a:pPr>
+            <a:endParaRPr lang="en-US"/>
+          </a:p>
+        </c:txPr>
+        <c:crossAx val="175219783"/>
+        <c:crosses val="autoZero"/>
+        <c:crossBetween val="between"/>
+      </c:valAx>
+      <c:spPr>
+        <a:noFill/>
+        <a:ln>
+          <a:noFill/>
+        </a:ln>
+        <a:effectLst/>
+      </c:spPr>
+    </c:plotArea>
+    <c:legend>
+      <c:legendPos val="b"/>
+      <c:overlay val="0"/>
+      <c:spPr>
+        <a:noFill/>
+        <a:ln>
+          <a:noFill/>
+        </a:ln>
+        <a:effectLst/>
+      </c:spPr>
+      <c:txPr>
+        <a:bodyPr rot="0" spcFirstLastPara="1" vertOverflow="ellipsis" vert="horz" wrap="square" anchor="ctr" anchorCtr="1"/>
+        <a:lstStyle/>
+        <a:p>
+          <a:pPr>
+            <a:defRPr sz="900" b="0" i="0" u="none" strike="noStrike" kern="1200" baseline="0">
+              <a:solidFill>
+                <a:schemeClr val="tx1">
+                  <a:lumMod val="65000"/>
+                  <a:lumOff val="35000"/>
+                </a:schemeClr>
+              </a:solidFill>
+              <a:latin typeface="Arial" panose="020B0604020202020204" pitchFamily="34" charset="0"/>
+              <a:ea typeface="+mn-ea"/>
+              <a:cs typeface="Arial" panose="020B0604020202020204" pitchFamily="34" charset="0"/>
+            </a:defRPr>
+          </a:pPr>
+          <a:endParaRPr lang="en-US"/>
+        </a:p>
+      </c:txPr>
+    </c:legend>
+    <c:plotVisOnly val="1"/>
+    <c:dispBlanksAs val="zero"/>
+    <c:showDLblsOverMax val="1"/>
+  </c:chart>
+  <c:spPr>
+    <a:solidFill>
+      <a:schemeClr val="bg1"/>
+    </a:solidFill>
+    <a:ln>
+      <a:noFill/>
+    </a:ln>
+    <a:effectLst/>
+  </c:spPr>
+  <c:txPr>
+    <a:bodyPr/>
+    <a:lstStyle/>
+    <a:p>
+      <a:pPr>
+        <a:defRPr>
+          <a:latin typeface="Arial" panose="020B0604020202020204" pitchFamily="34" charset="0"/>
+          <a:cs typeface="Arial" panose="020B0604020202020204" pitchFamily="34" charset="0"/>
+        </a:defRPr>
+      </a:pPr>
+      <a:endParaRPr lang="en-US"/>
+    </a:p>
+  </c:txPr>
+  <c:externalData r:id="rId3">
+    <c:autoUpdate val="0"/>
+  </c:externalData>
+</c:chartSpace>
+</file>
+
+<file path=ppt/charts/colors1.xml><?xml version="1.0" encoding="utf-8"?>
+<cs:colorStyle xmlns:cs="http://schemas.microsoft.com/office/drawing/2012/chartStyle" xmlns:a="http://schemas.openxmlformats.org/drawingml/2006/main" meth="cycle" id="10">
+  <a:schemeClr val="accent1"/>
+  <a:schemeClr val="accent2"/>
+  <a:schemeClr val="accent3"/>
+  <a:schemeClr val="accent4"/>
+  <a:schemeClr val="accent5"/>
+  <a:schemeClr val="accent6"/>
+  <cs:variation/>
+  <cs:variation>
+    <a:lumMod val="60000"/>
+  </cs:variation>
+  <cs:variation>
+    <a:lumMod val="80000"/>
+    <a:lumOff val="20000"/>
+  </cs:variation>
+  <cs:variation>
+    <a:lumMod val="80000"/>
+  </cs:variation>
+  <cs:variation>
+    <a:lumMod val="60000"/>
+    <a:lumOff val="40000"/>
+  </cs:variation>
+  <cs:variation>
+    <a:lumMod val="50000"/>
+  </cs:variation>
+  <cs:variation>
+    <a:lumMod val="70000"/>
+    <a:lumOff val="30000"/>
+  </cs:variation>
+  <cs:variation>
+    <a:lumMod val="70000"/>
+  </cs:variation>
+  <cs:variation>
+    <a:lumMod val="50000"/>
+    <a:lumOff val="50000"/>
+  </cs:variation>
+</cs:colorStyle>
+</file>
+
+<file path=ppt/charts/style1.xml><?xml version="1.0" encoding="utf-8"?>
+<cs:chartStyle xmlns:cs="http://schemas.microsoft.com/office/drawing/2012/chartStyle" xmlns:a="http://schemas.openxmlformats.org/drawingml/2006/main" id="201">
+  <cs:axisTitle>
+    <cs:lnRef idx="0"/>
+    <cs:fillRef idx="0"/>
+    <cs:effectRef idx="0"/>
+    <cs:fontRef idx="minor">
+      <a:schemeClr val="tx1">
+        <a:lumMod val="65000"/>
+        <a:lumOff val="35000"/>
+      </a:schemeClr>
+    </cs:fontRef>
+    <cs:defRPr sz="1000" kern="1200"/>
+  </cs:axisTitle>
+  <cs:categoryAxis>
+    <cs:lnRef idx="0"/>
+    <cs:fillRef idx="0"/>
+    <cs:effectRef idx="0"/>
+    <cs:fontRef idx="minor">
+      <a:schemeClr val="tx1">
+        <a:lumMod val="65000"/>
+        <a:lumOff val="35000"/>
+      </a:schemeClr>
+    </cs:fontRef>
+    <cs:spPr>
+      <a:ln w="9525" cap="flat" cmpd="sng" algn="ctr">
+        <a:solidFill>
+          <a:schemeClr val="tx1">
+            <a:lumMod val="15000"/>
+            <a:lumOff val="85000"/>
+          </a:schemeClr>
+        </a:solidFill>
+        <a:round/>
+      </a:ln>
+    </cs:spPr>
+    <cs:defRPr sz="900" kern="1200"/>
+  </cs:categoryAxis>
+  <cs:chartArea mods="allowNoFillOverride allowNoLineOverride">
+    <cs:lnRef idx="0"/>
+    <cs:fillRef idx="0"/>
+    <cs:effectRef idx="0"/>
+    <cs:fontRef idx="minor">
+      <a:schemeClr val="tx1"/>
+    </cs:fontRef>
+    <cs:spPr>
+      <a:solidFill>
+        <a:schemeClr val="bg1"/>
+      </a:solidFill>
+      <a:ln w="9525" cap="flat" cmpd="sng" algn="ctr">
+        <a:solidFill>
+          <a:schemeClr val="tx1">
+            <a:lumMod val="15000"/>
+            <a:lumOff val="85000"/>
+          </a:schemeClr>
+        </a:solidFill>
+        <a:round/>
+      </a:ln>
+    </cs:spPr>
+    <cs:defRPr sz="1000" kern="1200"/>
+  </cs:chartArea>
+  <cs:dataLabel>
+    <cs:lnRef idx="0"/>
+    <cs:fillRef idx="0"/>
+    <cs:effectRef idx="0"/>
+    <cs:fontRef idx="minor">
+      <a:schemeClr val="tx1">
+        <a:lumMod val="75000"/>
+        <a:lumOff val="25000"/>
+      </a:schemeClr>
+    </cs:fontRef>
+    <cs:defRPr sz="900" kern="1200"/>
+  </cs:dataLabel>
+  <cs:dataLabelCallout>
+    <cs:lnRef idx="0"/>
+    <cs:fillRef idx="0"/>
+    <cs:effectRef idx="0"/>
+    <cs:fontRef idx="minor">
+      <a:schemeClr val="dk1">
+        <a:lumMod val="65000"/>
+        <a:lumOff val="35000"/>
+      </a:schemeClr>
+    </cs:fontRef>
+    <cs:spPr>
+      <a:solidFill>
+        <a:schemeClr val="lt1"/>
+      </a:solidFill>
+      <a:ln>
+        <a:solidFill>
+          <a:schemeClr val="dk1">
+            <a:lumMod val="25000"/>
+            <a:lumOff val="75000"/>
+          </a:schemeClr>
+        </a:solidFill>
+      </a:ln>
+    </cs:spPr>
+    <cs:defRPr sz="900" kern="1200"/>
+    <cs:bodyPr rot="0" spcFirstLastPara="1" vertOverflow="clip" horzOverflow="clip" vert="horz" wrap="square" lIns="36576" tIns="18288" rIns="36576" bIns="18288" anchor="ctr" anchorCtr="1">
+      <a:spAutoFit/>
+    </cs:bodyPr>
+  </cs:dataLabelCallout>
+  <cs:dataPoint>
+    <cs:lnRef idx="0"/>
+    <cs:fillRef idx="1">
+      <cs:styleClr val="auto"/>
+    </cs:fillRef>
+    <cs:effectRef idx="0"/>
+    <cs:fontRef idx="minor">
+      <a:schemeClr val="tx1"/>
+    </cs:fontRef>
+  </cs:dataPoint>
+  <cs:dataPoint3D>
+    <cs:lnRef idx="0"/>
+    <cs:fillRef idx="1">
+      <cs:styleClr val="auto"/>
+    </cs:fillRef>
+    <cs:effectRef idx="0"/>
+    <cs:fontRef idx="minor">
+      <a:schemeClr val="tx1"/>
+    </cs:fontRef>
+  </cs:dataPoint3D>
+  <cs:dataPointLine>
+    <cs:lnRef idx="0">
+      <cs:styleClr val="auto"/>
+    </cs:lnRef>
+    <cs:fillRef idx="1"/>
+    <cs:effectRef idx="0"/>
+    <cs:fontRef idx="minor">
+      <a:schemeClr val="tx1"/>
+    </cs:fontRef>
+    <cs:spPr>
+      <a:ln w="28575" cap="rnd">
+        <a:solidFill>
+          <a:schemeClr val="phClr"/>
+        </a:solidFill>
+        <a:round/>
+      </a:ln>
+    </cs:spPr>
+  </cs:dataPointLine>
+  <cs:dataPointMarker>
+    <cs:lnRef idx="0">
+      <cs:styleClr val="auto"/>
+    </cs:lnRef>
+    <cs:fillRef idx="1">
+      <cs:styleClr val="auto"/>
+    </cs:fillRef>
+    <cs:effectRef idx="0"/>
+    <cs:fontRef idx="minor">
+      <a:schemeClr val="tx1"/>
+    </cs:fontRef>
+    <cs:spPr>
+      <a:ln w="9525">
+        <a:solidFill>
+          <a:schemeClr val="phClr"/>
+        </a:solidFill>
+      </a:ln>
+    </cs:spPr>
+  </cs:dataPointMarker>
+  <cs:dataPointMarkerLayout symbol="circle" size="5"/>
+  <cs:dataPointWireframe>
+    <cs:lnRef idx="0">
+      <cs:styleClr val="auto"/>
+    </cs:lnRef>
+    <cs:fillRef idx="1"/>
+    <cs:effectRef idx="0"/>
+    <cs:fontRef idx="minor">
+      <a:schemeClr val="tx1"/>
+    </cs:fontRef>
+    <cs:spPr>
+      <a:ln w="9525" cap="rnd">
+        <a:solidFill>
+          <a:schemeClr val="phClr"/>
+        </a:solidFill>
+        <a:round/>
+      </a:ln>
+    </cs:spPr>
+  </cs:dataPointWireframe>
+  <cs:dataTable>
+    <cs:lnRef idx="0"/>
+    <cs:fillRef idx="0"/>
+    <cs:effectRef idx="0"/>
+    <cs:fontRef idx="minor">
+      <a:schemeClr val="tx1">
+        <a:lumMod val="65000"/>
+        <a:lumOff val="35000"/>
+      </a:schemeClr>
+    </cs:fontRef>
+    <cs:spPr>
+      <a:noFill/>
+      <a:ln w="9525" cap="flat" cmpd="sng" algn="ctr">
+        <a:solidFill>
+          <a:schemeClr val="tx1">
+            <a:lumMod val="15000"/>
+            <a:lumOff val="85000"/>
+          </a:schemeClr>
+        </a:solidFill>
+        <a:round/>
+      </a:ln>
+    </cs:spPr>
+    <cs:defRPr sz="900" kern="1200"/>
+  </cs:dataTable>
+  <cs:downBar>
+    <cs:lnRef idx="0"/>
+    <cs:fillRef idx="0"/>
+    <cs:effectRef idx="0"/>
+    <cs:fontRef idx="minor">
+      <a:schemeClr val="dk1"/>
+    </cs:fontRef>
+    <cs:spPr>
+      <a:solidFill>
+        <a:schemeClr val="dk1">
+          <a:lumMod val="65000"/>
+          <a:lumOff val="35000"/>
+        </a:schemeClr>
+      </a:solidFill>
+      <a:ln w="9525">
+        <a:solidFill>
+          <a:schemeClr val="tx1">
+            <a:lumMod val="65000"/>
+            <a:lumOff val="35000"/>
+          </a:schemeClr>
+        </a:solidFill>
+      </a:ln>
+    </cs:spPr>
+  </cs:downBar>
+  <cs:dropLine>
+    <cs:lnRef idx="0"/>
+    <cs:fillRef idx="0"/>
+    <cs:effectRef idx="0"/>
+    <cs:fontRef idx="minor">
+      <a:schemeClr val="tx1"/>
+    </cs:fontRef>
+    <cs:spPr>
+      <a:ln w="9525" cap="flat" cmpd="sng" algn="ctr">
+        <a:solidFill>
+          <a:schemeClr val="tx1">
+            <a:lumMod val="35000"/>
+            <a:lumOff val="65000"/>
+          </a:schemeClr>
+        </a:solidFill>
+        <a:round/>
+      </a:ln>
+    </cs:spPr>
+  </cs:dropLine>
+  <cs:errorBar>
+    <cs:lnRef idx="0"/>
+    <cs:fillRef idx="0"/>
+    <cs:effectRef idx="0"/>
+    <cs:fontRef idx="minor">
+      <a:schemeClr val="tx1"/>
+    </cs:fontRef>
+    <cs:spPr>
+      <a:ln w="9525" cap="flat" cmpd="sng" algn="ctr">
+        <a:solidFill>
+          <a:schemeClr val="tx1">
+            <a:lumMod val="65000"/>
+            <a:lumOff val="35000"/>
+          </a:schemeClr>
+        </a:solidFill>
+        <a:round/>
+      </a:ln>
+    </cs:spPr>
+  </cs:errorBar>
+  <cs:floor>
+    <cs:lnRef idx="0"/>
+    <cs:fillRef idx="0"/>
+    <cs:effectRef idx="0"/>
+    <cs:fontRef idx="minor">
+      <a:schemeClr val="tx1"/>
+    </cs:fontRef>
+    <cs:spPr>
+      <a:noFill/>
+      <a:ln>
+        <a:noFill/>
+      </a:ln>
+    </cs:spPr>
+  </cs:floor>
+  <cs:gridlineMajor>
+    <cs:lnRef idx="0"/>
+    <cs:fillRef idx="0"/>
+    <cs:effectRef idx="0"/>
+    <cs:fontRef idx="minor">
+      <a:schemeClr val="tx1"/>
+    </cs:fontRef>
+    <cs:spPr>
+      <a:ln w="9525" cap="flat" cmpd="sng" algn="ctr">
+        <a:solidFill>
+          <a:schemeClr val="tx1">
+            <a:lumMod val="15000"/>
+            <a:lumOff val="85000"/>
+          </a:schemeClr>
+        </a:solidFill>
+        <a:round/>
+      </a:ln>
+    </cs:spPr>
+  </cs:gridlineMajor>
+  <cs:gridlineMinor>
+    <cs:lnRef idx="0"/>
+    <cs:fillRef idx="0"/>
+    <cs:effectRef idx="0"/>
+    <cs:fontRef idx="minor">
+      <a:schemeClr val="tx1"/>
+    </cs:fontRef>
+    <cs:spPr>
+      <a:ln w="9525" cap="flat" cmpd="sng" algn="ctr">
+        <a:solidFill>
+          <a:schemeClr val="tx1">
+            <a:lumMod val="5000"/>
+            <a:lumOff val="95000"/>
+          </a:schemeClr>
+        </a:solidFill>
+        <a:round/>
+      </a:ln>
+    </cs:spPr>
+  </cs:gridlineMinor>
+  <cs:hiLoLine>
+    <cs:lnRef idx="0"/>
+    <cs:fillRef idx="0"/>
+    <cs:effectRef idx="0"/>
+    <cs:fontRef idx="minor">
+      <a:schemeClr val="tx1"/>
+    </cs:fontRef>
+    <cs:spPr>
+      <a:ln w="9525" cap="flat" cmpd="sng" algn="ctr">
+        <a:solidFill>
+          <a:schemeClr val="tx1">
+            <a:lumMod val="75000"/>
+            <a:lumOff val="25000"/>
+          </a:schemeClr>
+        </a:solidFill>
+        <a:round/>
+      </a:ln>
+    </cs:spPr>
+  </cs:hiLoLine>
+  <cs:leaderLine>
+    <cs:lnRef idx="0"/>
+    <cs:fillRef idx="0"/>
+    <cs:effectRef idx="0"/>
+    <cs:fontRef idx="minor">
+      <a:schemeClr val="tx1"/>
+    </cs:fontRef>
+    <cs:spPr>
+      <a:ln w="9525" cap="flat" cmpd="sng" algn="ctr">
+        <a:solidFill>
+          <a:schemeClr val="tx1">
+            <a:lumMod val="35000"/>
+            <a:lumOff val="65000"/>
+          </a:schemeClr>
+        </a:solidFill>
+        <a:round/>
+      </a:ln>
+    </cs:spPr>
+  </cs:leaderLine>
+  <cs:legend>
+    <cs:lnRef idx="0"/>
+    <cs:fillRef idx="0"/>
+    <cs:effectRef idx="0"/>
+    <cs:fontRef idx="minor">
+      <a:schemeClr val="tx1">
+        <a:lumMod val="65000"/>
+        <a:lumOff val="35000"/>
+      </a:schemeClr>
+    </cs:fontRef>
+    <cs:defRPr sz="900" kern="1200"/>
+  </cs:legend>
+  <cs:plotArea mods="allowNoFillOverride allowNoLineOverride">
+    <cs:lnRef idx="0"/>
+    <cs:fillRef idx="0"/>
+    <cs:effectRef idx="0"/>
+    <cs:fontRef idx="minor">
+      <a:schemeClr val="tx1"/>
+    </cs:fontRef>
+  </cs:plotArea>
+  <cs:plotArea3D mods="allowNoFillOverride allowNoLineOverride">
+    <cs:lnRef idx="0"/>
+    <cs:fillRef idx="0"/>
+    <cs:effectRef idx="0"/>
+    <cs:fontRef idx="minor">
+      <a:schemeClr val="tx1"/>
+    </cs:fontRef>
+  </cs:plotArea3D>
+  <cs:seriesAxis>
+    <cs:lnRef idx="0"/>
+    <cs:fillRef idx="0"/>
+    <cs:effectRef idx="0"/>
+    <cs:fontRef idx="minor">
+      <a:schemeClr val="tx1">
+        <a:lumMod val="65000"/>
+        <a:lumOff val="35000"/>
+      </a:schemeClr>
+    </cs:fontRef>
+    <cs:defRPr sz="900" kern="1200"/>
+  </cs:seriesAxis>
+  <cs:seriesLine>
+    <cs:lnRef idx="0"/>
+    <cs:fillRef idx="0"/>
+    <cs:effectRef idx="0"/>
+    <cs:fontRef idx="minor">
+      <a:schemeClr val="tx1"/>
+    </cs:fontRef>
+    <cs:spPr>
+      <a:ln w="9525" cap="flat" cmpd="sng" algn="ctr">
+        <a:solidFill>
+          <a:schemeClr val="tx1">
+            <a:lumMod val="35000"/>
+            <a:lumOff val="65000"/>
+          </a:schemeClr>
+        </a:solidFill>
+        <a:round/>
+      </a:ln>
+    </cs:spPr>
+  </cs:seriesLine>
+  <cs:title>
+    <cs:lnRef idx="0"/>
+    <cs:fillRef idx="0"/>
+    <cs:effectRef idx="0"/>
+    <cs:fontRef idx="minor">
+      <a:schemeClr val="tx1">
+        <a:lumMod val="65000"/>
+        <a:lumOff val="35000"/>
+      </a:schemeClr>
+    </cs:fontRef>
+    <cs:defRPr sz="1400" b="0" kern="1200" spc="0" baseline="0"/>
+  </cs:title>
+  <cs:trendline>
+    <cs:lnRef idx="0">
+      <cs:styleClr val="auto"/>
+    </cs:lnRef>
+    <cs:fillRef idx="0"/>
+    <cs:effectRef idx="0"/>
+    <cs:fontRef idx="minor">
+      <a:schemeClr val="tx1"/>
+    </cs:fontRef>
+    <cs:spPr>
+      <a:ln w="19050" cap="rnd">
+        <a:solidFill>
+          <a:schemeClr val="phClr"/>
+        </a:solidFill>
+        <a:prstDash val="sysDot"/>
+      </a:ln>
+    </cs:spPr>
+  </cs:trendline>
+  <cs:trendlineLabel>
+    <cs:lnRef idx="0"/>
+    <cs:fillRef idx="0"/>
+    <cs:effectRef idx="0"/>
+    <cs:fontRef idx="minor">
+      <a:schemeClr val="tx1">
+        <a:lumMod val="65000"/>
+        <a:lumOff val="35000"/>
+      </a:schemeClr>
+    </cs:fontRef>
+    <cs:defRPr sz="900" kern="1200"/>
+  </cs:trendlineLabel>
+  <cs:upBar>
+    <cs:lnRef idx="0"/>
+    <cs:fillRef idx="0"/>
+    <cs:effectRef idx="0"/>
+    <cs:fontRef idx="minor">
+      <a:schemeClr val="dk1"/>
+    </cs:fontRef>
+    <cs:spPr>
+      <a:solidFill>
+        <a:schemeClr val="lt1"/>
+      </a:solidFill>
+      <a:ln w="9525">
+        <a:solidFill>
+          <a:schemeClr val="tx1">
+            <a:lumMod val="15000"/>
+            <a:lumOff val="85000"/>
+          </a:schemeClr>
+        </a:solidFill>
+      </a:ln>
+    </cs:spPr>
+  </cs:upBar>
+  <cs:valueAxis>
+    <cs:lnRef idx="0"/>
+    <cs:fillRef idx="0"/>
+    <cs:effectRef idx="0"/>
+    <cs:fontRef idx="minor">
+      <a:schemeClr val="tx1">
+        <a:lumMod val="65000"/>
+        <a:lumOff val="35000"/>
+      </a:schemeClr>
+    </cs:fontRef>
+    <cs:defRPr sz="900" kern="1200"/>
+  </cs:valueAxis>
+  <cs:wall>
+    <cs:lnRef idx="0"/>
+    <cs:fillRef idx="0"/>
+    <cs:effectRef idx="0"/>
+    <cs:fontRef idx="minor">
+      <a:schemeClr val="tx1"/>
+    </cs:fontRef>
+    <cs:spPr>
+      <a:noFill/>
+      <a:ln>
+        <a:noFill/>
+      </a:ln>
+    </cs:spPr>
+  </cs:wall>
+</cs:chartStyle>
 </file>
 
 <file path=ppt/slideLayouts/slideLayout1.xml><?xml version="1.0" encoding="utf-8"?>
@@ -3349,7 +5231,7 @@
     <p:bg>
       <p:bgPr>
         <a:solidFill>
-          <a:schemeClr val="accent2">
+          <a:schemeClr val="tx2">
             <a:lumMod val="50000"/>
           </a:schemeClr>
         </a:solidFill>
@@ -3370,25 +5252,124 @@
           <a:chExt cx="0" cy="0"/>
         </a:xfrm>
       </p:grpSpPr>
-      <p:sp>
-        <p:nvSpPr>
-          <p:cNvPr id="2" name="Title 1">
-            <a:extLst>
-              <a:ext uri="{FF2B5EF4-FFF2-40B4-BE49-F238E27FC236}">
-                <a16:creationId xmlns:a16="http://schemas.microsoft.com/office/drawing/2014/main" id="{F5C173AF-11E3-AA6C-FF54-658A2AE746FE}"/>
-              </a:ext>
-            </a:extLst>
-          </p:cNvPr>
-          <p:cNvSpPr>
-            <a:spLocks noGrp="1"/>
-          </p:cNvSpPr>
-          <p:nvPr>
-            <p:ph type="ctrTitle"/>
-          </p:nvPr>
+      <p:pic>
+        <p:nvPicPr>
+          <p:cNvPr id="1028" name="Picture 4" descr="Estadística png foto - PNG All">
+            <a:extLst>
+              <a:ext uri="{FF2B5EF4-FFF2-40B4-BE49-F238E27FC236}">
+                <a16:creationId xmlns:a16="http://schemas.microsoft.com/office/drawing/2014/main" id="{8798C612-026E-8028-C30C-66E7F7667AFE}"/>
+              </a:ext>
+            </a:extLst>
+          </p:cNvPr>
+          <p:cNvPicPr>
+            <a:picLocks noChangeAspect="1" noChangeArrowheads="1"/>
+          </p:cNvPicPr>
+          <p:nvPr/>
+        </p:nvPicPr>
+        <p:blipFill rotWithShape="1">
+          <a:blip r:embed="rId2">
+            <a:extLst>
+              <a:ext uri="{28A0092B-C50C-407E-A947-70E740481C1C}">
+                <a14:useLocalDpi xmlns:a14="http://schemas.microsoft.com/office/drawing/2010/main" val="0"/>
+              </a:ext>
+            </a:extLst>
+          </a:blip>
+          <a:srcRect l="61066" t="24783"/>
+          <a:stretch/>
+        </p:blipFill>
+        <p:spPr bwMode="auto">
+          <a:xfrm>
+            <a:off x="0" y="0"/>
+            <a:ext cx="2348753" cy="3200877"/>
+          </a:xfrm>
+          <a:prstGeom prst="rect">
+            <a:avLst/>
+          </a:prstGeom>
+          <a:noFill/>
+          <a:extLst>
+            <a:ext uri="{909E8E84-426E-40DD-AFC4-6F175D3DCCD1}">
+              <a14:hiddenFill xmlns:a14="http://schemas.microsoft.com/office/drawing/2010/main">
+                <a:solidFill>
+                  <a:srgbClr val="FFFFFF"/>
+                </a:solidFill>
+              </a14:hiddenFill>
+            </a:ext>
+          </a:extLst>
+        </p:spPr>
+      </p:pic>
+      <p:sp>
+        <p:nvSpPr>
+          <p:cNvPr id="4" name="Oval 3">
+            <a:extLst>
+              <a:ext uri="{FF2B5EF4-FFF2-40B4-BE49-F238E27FC236}">
+                <a16:creationId xmlns:a16="http://schemas.microsoft.com/office/drawing/2014/main" id="{63F66908-58D2-69FE-6D3A-24E25F6988B0}"/>
+              </a:ext>
+            </a:extLst>
+          </p:cNvPr>
+          <p:cNvSpPr/>
+          <p:nvPr/>
         </p:nvSpPr>
         <p:spPr>
           <a:xfrm>
-            <a:off x="1524000" y="1022973"/>
+            <a:off x="1524000" y="2330824"/>
+            <a:ext cx="1308847" cy="1171824"/>
+          </a:xfrm>
+          <a:prstGeom prst="ellipse">
+            <a:avLst/>
+          </a:prstGeom>
+          <a:solidFill>
+            <a:schemeClr val="tx2">
+              <a:lumMod val="50000"/>
+            </a:schemeClr>
+          </a:solidFill>
+          <a:ln>
+            <a:noFill/>
+          </a:ln>
+        </p:spPr>
+        <p:style>
+          <a:lnRef idx="2">
+            <a:schemeClr val="accent1">
+              <a:shade val="15000"/>
+            </a:schemeClr>
+          </a:lnRef>
+          <a:fillRef idx="1">
+            <a:schemeClr val="accent1"/>
+          </a:fillRef>
+          <a:effectRef idx="0">
+            <a:schemeClr val="accent1"/>
+          </a:effectRef>
+          <a:fontRef idx="minor">
+            <a:schemeClr val="lt1"/>
+          </a:fontRef>
+        </p:style>
+        <p:txBody>
+          <a:bodyPr rtlCol="0" anchor="ctr"/>
+          <a:lstStyle/>
+          <a:p>
+            <a:pPr algn="ctr"/>
+            <a:endParaRPr lang="es-MX"/>
+          </a:p>
+        </p:txBody>
+      </p:sp>
+      <p:sp>
+        <p:nvSpPr>
+          <p:cNvPr id="2" name="Title 1">
+            <a:extLst>
+              <a:ext uri="{FF2B5EF4-FFF2-40B4-BE49-F238E27FC236}">
+                <a16:creationId xmlns:a16="http://schemas.microsoft.com/office/drawing/2014/main" id="{F5C173AF-11E3-AA6C-FF54-658A2AE746FE}"/>
+              </a:ext>
+            </a:extLst>
+          </p:cNvPr>
+          <p:cNvSpPr>
+            <a:spLocks noGrp="1"/>
+          </p:cNvSpPr>
+          <p:nvPr>
+            <p:ph type="ctrTitle"/>
+          </p:nvPr>
+        </p:nvSpPr>
+        <p:spPr>
+          <a:xfrm>
+            <a:off x="1524000" y="1614644"/>
             <a:ext cx="9144000" cy="2387600"/>
           </a:xfrm>
         </p:spPr>
@@ -3405,7 +5386,7 @@
                 </a:solidFill>
                 <a:latin typeface="Alte Haas Grotesk" panose="02000503000000020004" pitchFamily="2" charset="0"/>
               </a:rPr>
-              <a:t>Jornada</a:t>
+              <a:t>Mi jornada</a:t>
             </a:r>
           </a:p>
         </p:txBody>
@@ -3428,37 +5409,15 @@
         </p:nvSpPr>
         <p:spPr>
           <a:xfrm>
-            <a:off x="1524000" y="3502648"/>
+            <a:off x="1524000" y="4094319"/>
             <a:ext cx="9144000" cy="1655762"/>
           </a:xfrm>
         </p:spPr>
         <p:txBody>
           <a:bodyPr>
-            <a:normAutofit lnSpcReduction="10000"/>
+            <a:normAutofit/>
           </a:bodyPr>
           <a:lstStyle/>
-          <a:p>
-            <a:r>
-              <a:rPr lang="es-PA" sz="4000" dirty="0">
-                <a:solidFill>
-                  <a:schemeClr val="bg1"/>
-                </a:solidFill>
-                <a:latin typeface="Alte Haas Grotesk" panose="02000503000000020004" pitchFamily="2" charset="0"/>
-              </a:rPr>
-              <a:t>Proyecto Semestral</a:t>
-            </a:r>
-          </a:p>
-          <a:p>
-            <a:r>
-              <a:rPr lang="es-PA" sz="4000" i="1" dirty="0">
-                <a:solidFill>
-                  <a:schemeClr val="bg1"/>
-                </a:solidFill>
-                <a:latin typeface="Alte Haas Grotesk" panose="02000503000000020004" pitchFamily="2" charset="0"/>
-              </a:rPr>
-              <a:t>Estadística con apoyo informático</a:t>
-            </a:r>
-          </a:p>
           <a:p>
             <a:r>
               <a:rPr lang="es-PA" sz="2200" dirty="0">
@@ -3478,6 +5437,51 @@
           </a:p>
         </p:txBody>
       </p:sp>
+      <p:pic>
+        <p:nvPicPr>
+          <p:cNvPr id="1026" name="Picture 2" descr="Estadística png foto - PNG All">
+            <a:extLst>
+              <a:ext uri="{FF2B5EF4-FFF2-40B4-BE49-F238E27FC236}">
+                <a16:creationId xmlns:a16="http://schemas.microsoft.com/office/drawing/2014/main" id="{939B6B48-62F2-915A-292B-22ABB7290EBE}"/>
+              </a:ext>
+            </a:extLst>
+          </p:cNvPr>
+          <p:cNvPicPr>
+            <a:picLocks noChangeAspect="1" noChangeArrowheads="1"/>
+          </p:cNvPicPr>
+          <p:nvPr/>
+        </p:nvPicPr>
+        <p:blipFill rotWithShape="1">
+          <a:blip r:embed="rId2">
+            <a:extLst>
+              <a:ext uri="{28A0092B-C50C-407E-A947-70E740481C1C}">
+                <a14:useLocalDpi xmlns:a14="http://schemas.microsoft.com/office/drawing/2010/main" val="0"/>
+              </a:ext>
+            </a:extLst>
+          </a:blip>
+          <a:srcRect r="60719" b="27752"/>
+          <a:stretch/>
+        </p:blipFill>
+        <p:spPr bwMode="auto">
+          <a:xfrm>
+            <a:off x="9763614" y="3707289"/>
+            <a:ext cx="2428386" cy="3150711"/>
+          </a:xfrm>
+          <a:prstGeom prst="rect">
+            <a:avLst/>
+          </a:prstGeom>
+          <a:noFill/>
+          <a:extLst>
+            <a:ext uri="{909E8E84-426E-40DD-AFC4-6F175D3DCCD1}">
+              <a14:hiddenFill xmlns:a14="http://schemas.microsoft.com/office/drawing/2010/main">
+                <a:solidFill>
+                  <a:srgbClr val="FFFFFF"/>
+                </a:solidFill>
+              </a14:hiddenFill>
+            </a:ext>
+          </a:extLst>
+        </p:spPr>
+      </p:pic>
     </p:spTree>
     <p:extLst>
       <p:ext uri="{BB962C8B-B14F-4D97-AF65-F5344CB8AC3E}">
@@ -3526,25 +5530,25 @@
         </p:nvSpPr>
         <p:spPr/>
         <p:txBody>
-          <a:bodyPr>
+          <a:bodyPr vert="horz" lIns="91440" tIns="45720" rIns="91440" bIns="45720" rtlCol="0" anchor="ctr">
             <a:normAutofit/>
           </a:bodyPr>
           <a:lstStyle/>
           <a:p>
             <a:r>
-              <a:rPr lang="es-PA" sz="6000" b="1" dirty="0">
+              <a:rPr lang="es-PA" b="1" dirty="0">
                 <a:solidFill>
-                  <a:schemeClr val="accent2">
+                  <a:schemeClr val="tx2">
                     <a:lumMod val="50000"/>
                   </a:schemeClr>
                 </a:solidFill>
                 <a:latin typeface="Alte Haas Grotesk" panose="02000503000000020004" pitchFamily="2" charset="0"/>
               </a:rPr>
-              <a:t>Altos</a:t>
-            </a:r>
-            <a:endParaRPr lang="es-MX" sz="6000" b="1" dirty="0">
+              <a:t>Aspectos positivos y/o fáciles</a:t>
+            </a:r>
+            <a:endParaRPr lang="es-MX" b="1" dirty="0">
               <a:solidFill>
-                <a:schemeClr val="accent2">
+                <a:schemeClr val="tx2">
                   <a:lumMod val="50000"/>
                 </a:schemeClr>
               </a:solidFill>
@@ -3583,7 +5587,7 @@
           <a:p>
             <a:pPr algn="just">
               <a:buClr>
-                <a:schemeClr val="accent2">
+                <a:schemeClr val="tx2">
                   <a:lumMod val="50000"/>
                 </a:schemeClr>
               </a:buClr>
@@ -3592,13 +5596,13 @@
               <a:rPr lang="es-MX" sz="2400" dirty="0">
                 <a:latin typeface="Alte Haas Grotesk" panose="02000503000000020004" pitchFamily="2" charset="0"/>
               </a:rPr>
-              <a:t>La escogencia de ciertas tablas de temas interesantes de comprender y analizar</a:t>
+              <a:t>La escogencia de ciertas tablas de temas interesantes de observar y analizar</a:t>
             </a:r>
           </a:p>
           <a:p>
             <a:pPr algn="just">
               <a:buClr>
-                <a:schemeClr val="accent2">
+                <a:schemeClr val="tx2">
                   <a:lumMod val="50000"/>
                 </a:schemeClr>
               </a:buClr>
@@ -3607,13 +5611,13 @@
               <a:rPr lang="es-MX" sz="2400" dirty="0">
                 <a:latin typeface="Alte Haas Grotesk" panose="02000503000000020004" pitchFamily="2" charset="0"/>
               </a:rPr>
-              <a:t>Descubrir funciones integradas (extensiones) de Excel que facilitan y automatizan el trabajo</a:t>
+              <a:t>Trabajar funciones integradas (extensiones) de Excel que facilitan y automatizan las tareas</a:t>
             </a:r>
           </a:p>
           <a:p>
             <a:pPr algn="just">
               <a:buClr>
-                <a:schemeClr val="accent2">
+                <a:schemeClr val="tx2">
                   <a:lumMod val="50000"/>
                 </a:schemeClr>
               </a:buClr>
@@ -3622,13 +5626,13 @@
               <a:rPr lang="es-MX" sz="2400" dirty="0">
                 <a:latin typeface="Alte Haas Grotesk" panose="02000503000000020004" pitchFamily="2" charset="0"/>
               </a:rPr>
-              <a:t>Fomentar el análisis de información</a:t>
+              <a:t>Fomentar el análisis de información y poner en práctica el pensamiento analítico</a:t>
             </a:r>
           </a:p>
           <a:p>
             <a:pPr algn="just">
               <a:buClr>
-                <a:schemeClr val="accent2">
+                <a:schemeClr val="tx2">
                   <a:lumMod val="50000"/>
                 </a:schemeClr>
               </a:buClr>
@@ -3639,6 +5643,11 @@
           </a:p>
           <a:p>
             <a:pPr marL="0" indent="0" algn="just">
+              <a:buClr>
+                <a:schemeClr val="tx2">
+                  <a:lumMod val="50000"/>
+                </a:schemeClr>
+              </a:buClr>
               <a:buNone/>
             </a:pPr>
             <a:endParaRPr lang="es-MX" sz="2400" dirty="0">
@@ -3734,51 +5743,6 @@
           <a:chExt cx="0" cy="0"/>
         </a:xfrm>
       </p:grpSpPr>
-      <p:sp>
-        <p:nvSpPr>
-          <p:cNvPr id="2" name="Title 1">
-            <a:extLst>
-              <a:ext uri="{FF2B5EF4-FFF2-40B4-BE49-F238E27FC236}">
-                <a16:creationId xmlns:a16="http://schemas.microsoft.com/office/drawing/2014/main" id="{82763AEC-A3BC-CEF8-DA17-48F930BE95EC}"/>
-              </a:ext>
-            </a:extLst>
-          </p:cNvPr>
-          <p:cNvSpPr>
-            <a:spLocks noGrp="1"/>
-          </p:cNvSpPr>
-          <p:nvPr>
-            <p:ph type="title"/>
-          </p:nvPr>
-        </p:nvSpPr>
-        <p:spPr/>
-        <p:txBody>
-          <a:bodyPr>
-            <a:normAutofit/>
-          </a:bodyPr>
-          <a:lstStyle/>
-          <a:p>
-            <a:r>
-              <a:rPr lang="es-PA" sz="6000" b="1" dirty="0">
-                <a:solidFill>
-                  <a:schemeClr val="accent2">
-                    <a:lumMod val="50000"/>
-                  </a:schemeClr>
-                </a:solidFill>
-                <a:latin typeface="Alte Haas Grotesk" panose="02000503000000020004" pitchFamily="2" charset="0"/>
-              </a:rPr>
-              <a:t>Bajos</a:t>
-            </a:r>
-            <a:endParaRPr lang="es-MX" sz="6000" b="1" dirty="0">
-              <a:solidFill>
-                <a:schemeClr val="accent2">
-                  <a:lumMod val="50000"/>
-                </a:schemeClr>
-              </a:solidFill>
-              <a:latin typeface="Alte Haas Grotesk" panose="02000503000000020004" pitchFamily="2" charset="0"/>
-            </a:endParaRPr>
-          </a:p>
-        </p:txBody>
-      </p:sp>
       <p:pic>
         <p:nvPicPr>
           <p:cNvPr id="2050" name="Picture 2" descr="Flecha Dirección De Caída De Las Acciones PNG , Flecha, Patron Decorativo,  Icono PNG y Vector para Descargar Gratis | Pngtree">
@@ -3865,7 +5829,7 @@
           <a:p>
             <a:pPr algn="just">
               <a:buClr>
-                <a:schemeClr val="accent2">
+                <a:schemeClr val="tx2">
                   <a:lumMod val="50000"/>
                 </a:schemeClr>
               </a:buClr>
@@ -3874,13 +5838,13 @@
               <a:rPr lang="es-MX" sz="2400" dirty="0">
                 <a:latin typeface="Alte Haas Grotesk" panose="02000503000000020004" pitchFamily="2" charset="0"/>
               </a:rPr>
-              <a:t>Realizar todos los pasos a cada una de las 10 tablas</a:t>
+              <a:t>Iniciar a trabajar</a:t>
             </a:r>
           </a:p>
           <a:p>
             <a:pPr algn="just">
               <a:buClr>
-                <a:schemeClr val="accent2">
+                <a:schemeClr val="tx2">
                   <a:lumMod val="50000"/>
                 </a:schemeClr>
               </a:buClr>
@@ -3889,13 +5853,13 @@
               <a:rPr lang="es-MX" sz="2400" dirty="0">
                 <a:latin typeface="Alte Haas Grotesk" panose="02000503000000020004" pitchFamily="2" charset="0"/>
               </a:rPr>
-              <a:t>Analizar grandes volúmenes de información</a:t>
+              <a:t>Las tablas del INEC.</a:t>
             </a:r>
           </a:p>
           <a:p>
             <a:pPr algn="just">
               <a:buClr>
-                <a:schemeClr val="accent2">
+                <a:schemeClr val="tx2">
                   <a:lumMod val="50000"/>
                 </a:schemeClr>
               </a:buClr>
@@ -3904,13 +5868,28 @@
               <a:rPr lang="es-MX" sz="2400" dirty="0">
                 <a:latin typeface="Alte Haas Grotesk" panose="02000503000000020004" pitchFamily="2" charset="0"/>
               </a:rPr>
-              <a:t>La cantidad de tiempo que tomó realizar el trabajo </a:t>
+              <a:t>Luego de la reunión con el profesor, 9 de las tablas no me funcionarían para el proyecto y tuve que realizar prácticamente todo desde cero</a:t>
             </a:r>
           </a:p>
           <a:p>
             <a:pPr algn="just">
               <a:buClr>
-                <a:schemeClr val="accent2">
+                <a:schemeClr val="tx2">
+                  <a:lumMod val="50000"/>
+                </a:schemeClr>
+              </a:buClr>
+            </a:pPr>
+            <a:r>
+              <a:rPr lang="es-MX" sz="2400" dirty="0">
+                <a:latin typeface="Alte Haas Grotesk" panose="02000503000000020004" pitchFamily="2" charset="0"/>
+              </a:rPr>
+              <a:t>Realizar todos los pasos a cada una de las 10 tablas</a:t>
+            </a:r>
+          </a:p>
+          <a:p>
+            <a:pPr algn="just">
+              <a:buClr>
+                <a:schemeClr val="tx2">
                   <a:lumMod val="50000"/>
                 </a:schemeClr>
               </a:buClr>
@@ -3922,7 +5901,7 @@
           <a:p>
             <a:pPr algn="just">
               <a:buClr>
-                <a:schemeClr val="accent2">
+                <a:schemeClr val="tx2">
                   <a:lumMod val="50000"/>
                 </a:schemeClr>
               </a:buClr>
@@ -3932,10 +5911,113 @@
             </a:endParaRPr>
           </a:p>
           <a:p>
+            <a:pPr algn="just">
+              <a:buClr>
+                <a:schemeClr val="tx2">
+                  <a:lumMod val="50000"/>
+                </a:schemeClr>
+              </a:buClr>
+            </a:pPr>
+            <a:endParaRPr lang="es-MX" sz="2400" dirty="0">
+              <a:latin typeface="Alte Haas Grotesk" panose="02000503000000020004" pitchFamily="2" charset="0"/>
+            </a:endParaRPr>
+          </a:p>
+          <a:p>
+            <a:pPr algn="just">
+              <a:buClr>
+                <a:schemeClr val="tx2">
+                  <a:lumMod val="50000"/>
+                </a:schemeClr>
+              </a:buClr>
+            </a:pPr>
+            <a:endParaRPr lang="es-MX" sz="2400" dirty="0">
+              <a:latin typeface="Alte Haas Grotesk" panose="02000503000000020004" pitchFamily="2" charset="0"/>
+            </a:endParaRPr>
+          </a:p>
+          <a:p>
+            <a:pPr algn="just">
+              <a:buClr>
+                <a:schemeClr val="tx2">
+                  <a:lumMod val="50000"/>
+                </a:schemeClr>
+              </a:buClr>
+            </a:pPr>
+            <a:endParaRPr lang="es-MX" sz="2400" dirty="0">
+              <a:latin typeface="Alte Haas Grotesk" panose="02000503000000020004" pitchFamily="2" charset="0"/>
+            </a:endParaRPr>
+          </a:p>
+          <a:p>
+            <a:pPr algn="just">
+              <a:buClr>
+                <a:schemeClr val="tx2">
+                  <a:lumMod val="50000"/>
+                </a:schemeClr>
+              </a:buClr>
+            </a:pPr>
+            <a:endParaRPr lang="es-MX" sz="2400" dirty="0">
+              <a:latin typeface="Alte Haas Grotesk" panose="02000503000000020004" pitchFamily="2" charset="0"/>
+            </a:endParaRPr>
+          </a:p>
+          <a:p>
             <a:pPr marL="0" indent="0" algn="just">
+              <a:buClr>
+                <a:schemeClr val="tx2">
+                  <a:lumMod val="50000"/>
+                </a:schemeClr>
+              </a:buClr>
               <a:buNone/>
             </a:pPr>
             <a:endParaRPr lang="es-MX" sz="2400" dirty="0">
+              <a:latin typeface="Alte Haas Grotesk" panose="02000503000000020004" pitchFamily="2" charset="0"/>
+            </a:endParaRPr>
+          </a:p>
+        </p:txBody>
+      </p:sp>
+      <p:sp>
+        <p:nvSpPr>
+          <p:cNvPr id="8" name="Title 1">
+            <a:extLst>
+              <a:ext uri="{FF2B5EF4-FFF2-40B4-BE49-F238E27FC236}">
+                <a16:creationId xmlns:a16="http://schemas.microsoft.com/office/drawing/2014/main" id="{B0ABC879-3710-22D9-C911-ED3A9FE31DF2}"/>
+              </a:ext>
+            </a:extLst>
+          </p:cNvPr>
+          <p:cNvSpPr>
+            <a:spLocks noGrp="1"/>
+          </p:cNvSpPr>
+          <p:nvPr>
+            <p:ph type="title"/>
+          </p:nvPr>
+        </p:nvSpPr>
+        <p:spPr>
+          <a:xfrm>
+            <a:off x="838200" y="365125"/>
+            <a:ext cx="10515600" cy="1325563"/>
+          </a:xfrm>
+        </p:spPr>
+        <p:txBody>
+          <a:bodyPr>
+            <a:normAutofit/>
+          </a:bodyPr>
+          <a:lstStyle/>
+          <a:p>
+            <a:r>
+              <a:rPr lang="es-PA" b="1" dirty="0">
+                <a:solidFill>
+                  <a:schemeClr val="tx2">
+                    <a:lumMod val="50000"/>
+                  </a:schemeClr>
+                </a:solidFill>
+                <a:latin typeface="Alte Haas Grotesk" panose="02000503000000020004" pitchFamily="2" charset="0"/>
+              </a:rPr>
+              <a:t>Aspectos difíciles</a:t>
+            </a:r>
+            <a:endParaRPr lang="es-MX" b="1" dirty="0">
+              <a:solidFill>
+                <a:schemeClr val="tx2">
+                  <a:lumMod val="50000"/>
+                </a:schemeClr>
+              </a:solidFill>
               <a:latin typeface="Alte Haas Grotesk" panose="02000503000000020004" pitchFamily="2" charset="0"/>
             </a:endParaRPr>
           </a:p>
@@ -3995,7 +6077,7 @@
             <a:r>
               <a:rPr lang="es-PA" b="1" dirty="0">
                 <a:solidFill>
-                  <a:schemeClr val="accent2">
+                  <a:schemeClr val="tx2">
                     <a:lumMod val="50000"/>
                   </a:schemeClr>
                 </a:solidFill>
@@ -4005,7 +6087,7 @@
             </a:r>
             <a:endParaRPr lang="es-MX" b="1" dirty="0">
               <a:solidFill>
-                <a:schemeClr val="accent2">
+                <a:schemeClr val="tx2">
                   <a:lumMod val="50000"/>
                 </a:schemeClr>
               </a:solidFill>
@@ -4091,80 +6173,72 @@
           <a:p>
             <a:pPr algn="just">
               <a:buClr>
-                <a:schemeClr val="accent2">
+                <a:schemeClr val="tx2">
                   <a:lumMod val="50000"/>
                 </a:schemeClr>
               </a:buClr>
             </a:pPr>
             <a:r>
-              <a:rPr lang="es-MX" sz="2400" dirty="0">
+              <a:rPr lang="es-MX" dirty="0">
                 <a:latin typeface="Alte Haas Grotesk" panose="02000503000000020004" pitchFamily="2" charset="0"/>
               </a:rPr>
-              <a:t>Ser paciente</a:t>
+              <a:t>Análisis y pensamiento crítico</a:t>
             </a:r>
           </a:p>
           <a:p>
             <a:pPr algn="just">
               <a:buClr>
-                <a:schemeClr val="accent2">
+                <a:schemeClr val="tx2">
                   <a:lumMod val="50000"/>
                 </a:schemeClr>
               </a:buClr>
             </a:pPr>
             <a:r>
-              <a:rPr lang="es-MX" sz="2400" dirty="0">
+              <a:rPr lang="es-MX" dirty="0">
                 <a:latin typeface="Alte Haas Grotesk" panose="02000503000000020004" pitchFamily="2" charset="0"/>
               </a:rPr>
-              <a:t>Análisis y pensamiento crítico</a:t>
+              <a:t>Ser autodidacta</a:t>
             </a:r>
           </a:p>
           <a:p>
             <a:pPr algn="just">
               <a:buClr>
-                <a:schemeClr val="accent2">
+                <a:schemeClr val="tx2">
                   <a:lumMod val="50000"/>
                 </a:schemeClr>
               </a:buClr>
             </a:pPr>
             <a:r>
-              <a:rPr lang="es-MX" sz="2400" dirty="0">
+              <a:rPr lang="es-MX" dirty="0">
                 <a:latin typeface="Alte Haas Grotesk" panose="02000503000000020004" pitchFamily="2" charset="0"/>
               </a:rPr>
-              <a:t>Ser autodidacta</a:t>
+              <a:t>Concentración a largo plazo</a:t>
             </a:r>
           </a:p>
           <a:p>
             <a:pPr algn="just">
               <a:buClr>
-                <a:schemeClr val="accent2">
+                <a:schemeClr val="tx2">
                   <a:lumMod val="50000"/>
                 </a:schemeClr>
               </a:buClr>
             </a:pPr>
             <a:r>
-              <a:rPr lang="es-MX" sz="2400" dirty="0">
+              <a:rPr lang="es-MX" dirty="0">
                 <a:latin typeface="Alte Haas Grotesk" panose="02000503000000020004" pitchFamily="2" charset="0"/>
               </a:rPr>
-              <a:t>Concentración a largo plazo</a:t>
+              <a:t>Paciencia</a:t>
             </a:r>
           </a:p>
           <a:p>
             <a:pPr algn="just">
               <a:buClr>
-                <a:schemeClr val="accent2">
+                <a:schemeClr val="tx2">
                   <a:lumMod val="50000"/>
                 </a:schemeClr>
               </a:buClr>
             </a:pPr>
-            <a:endParaRPr lang="es-MX" sz="2400" dirty="0">
-              <a:latin typeface="Alte Haas Grotesk" panose="02000503000000020004" pitchFamily="2" charset="0"/>
-            </a:endParaRPr>
-          </a:p>
-          <a:p>
-            <a:pPr marL="0" indent="0" algn="just">
-              <a:buNone/>
-            </a:pPr>
-            <a:endParaRPr lang="es-MX" sz="2400" dirty="0">
+            <a:endParaRPr lang="es-MX" dirty="0">
               <a:latin typeface="Alte Haas Grotesk" panose="02000503000000020004" pitchFamily="2" charset="0"/>
             </a:endParaRPr>
           </a:p>
@@ -4186,6 +6260,16 @@
 <file path=ppt/slides/slide5.xml><?xml version="1.0" encoding="utf-8"?>
 <p:sld xmlns:a="http://schemas.openxmlformats.org/drawingml/2006/main" xmlns:r="http://schemas.openxmlformats.org/officeDocument/2006/relationships" xmlns:p="http://schemas.openxmlformats.org/presentationml/2006/main">
   <p:cSld>
+    <p:bg>
+      <p:bgPr>
+        <a:solidFill>
+          <a:schemeClr val="tx2">
+            <a:lumMod val="50000"/>
+          </a:schemeClr>
+        </a:solidFill>
+        <a:effectLst/>
+      </p:bgPr>
+    </p:bg>
     <p:spTree>
       <p:nvGrpSpPr>
         <p:cNvPr id="1" name=""/>
@@ -4202,6 +6286,195 @@
       </p:grpSpPr>
       <p:sp>
         <p:nvSpPr>
+          <p:cNvPr id="9" name="Title 1">
+            <a:extLst>
+              <a:ext uri="{FF2B5EF4-FFF2-40B4-BE49-F238E27FC236}">
+                <a16:creationId xmlns:a16="http://schemas.microsoft.com/office/drawing/2014/main" id="{D0B2BAA3-2E91-776F-6FEF-50E031AED395}"/>
+              </a:ext>
+            </a:extLst>
+          </p:cNvPr>
+          <p:cNvSpPr>
+            <a:spLocks noGrp="1"/>
+          </p:cNvSpPr>
+          <p:nvPr>
+            <p:ph type="title"/>
+          </p:nvPr>
+        </p:nvSpPr>
+        <p:spPr>
+          <a:xfrm>
+            <a:off x="838200" y="400983"/>
+            <a:ext cx="10515600" cy="1325563"/>
+          </a:xfrm>
+        </p:spPr>
+        <p:txBody>
+          <a:bodyPr>
+            <a:normAutofit/>
+          </a:bodyPr>
+          <a:lstStyle/>
+          <a:p>
+            <a:pPr algn="ctr"/>
+            <a:r>
+              <a:rPr lang="es-PA" b="1" dirty="0">
+                <a:solidFill>
+                  <a:schemeClr val="bg1"/>
+                </a:solidFill>
+                <a:latin typeface="Alte Haas Grotesk" panose="02000503000000020004" pitchFamily="2" charset="0"/>
+              </a:rPr>
+              <a:t>Datos que me llamaron la atención</a:t>
+            </a:r>
+            <a:endParaRPr lang="es-MX" b="1" dirty="0">
+              <a:solidFill>
+                <a:schemeClr val="bg1"/>
+              </a:solidFill>
+              <a:latin typeface="Alte Haas Grotesk" panose="02000503000000020004" pitchFamily="2" charset="0"/>
+            </a:endParaRPr>
+          </a:p>
+        </p:txBody>
+      </p:sp>
+      <p:sp>
+        <p:nvSpPr>
+          <p:cNvPr id="11" name="Content Placeholder 10">
+            <a:extLst>
+              <a:ext uri="{FF2B5EF4-FFF2-40B4-BE49-F238E27FC236}">
+                <a16:creationId xmlns:a16="http://schemas.microsoft.com/office/drawing/2014/main" id="{967D7898-408F-4922-A75B-403CA5E0FCB6}"/>
+              </a:ext>
+            </a:extLst>
+          </p:cNvPr>
+          <p:cNvSpPr>
+            <a:spLocks noGrp="1"/>
+          </p:cNvSpPr>
+          <p:nvPr>
+            <p:ph sz="half" idx="2"/>
+          </p:nvPr>
+        </p:nvSpPr>
+        <p:spPr>
+          <a:xfrm>
+            <a:off x="4265856" y="1726546"/>
+            <a:ext cx="3566160" cy="4351338"/>
+          </a:xfrm>
+          <a:prstGeom prst="roundRect">
+            <a:avLst>
+              <a:gd name="adj" fmla="val 2335"/>
+            </a:avLst>
+          </a:prstGeom>
+          <a:ln>
+            <a:solidFill>
+              <a:schemeClr val="bg1"/>
+            </a:solidFill>
+          </a:ln>
+        </p:spPr>
+        <p:txBody>
+          <a:bodyPr anchor="ctr">
+            <a:normAutofit/>
+          </a:bodyPr>
+          <a:lstStyle/>
+          <a:p>
+            <a:pPr marL="0" indent="0" algn="ctr">
+              <a:buNone/>
+            </a:pPr>
+            <a:r>
+              <a:rPr lang="es-MX" sz="2400" dirty="0">
+                <a:solidFill>
+                  <a:schemeClr val="bg1"/>
+                </a:solidFill>
+                <a:latin typeface="Alte Haas Grotesk" panose="02000503000000020004" pitchFamily="2" charset="0"/>
+              </a:rPr>
+              <a:t>Edad de algunas madres en la base de datos de Embarazos. </a:t>
+            </a:r>
+          </a:p>
+        </p:txBody>
+      </p:sp>
+      <p:graphicFrame>
+        <p:nvGraphicFramePr>
+          <p:cNvPr id="12" name="Content Placeholder 11" title="Gráfico">
+            <a:extLst>
+              <a:ext uri="{FF2B5EF4-FFF2-40B4-BE49-F238E27FC236}">
+                <a16:creationId xmlns:a16="http://schemas.microsoft.com/office/drawing/2014/main" id="{21F06990-3460-F203-6019-4EDE148D4B75}"/>
+              </a:ext>
+            </a:extLst>
+          </p:cNvPr>
+          <p:cNvGraphicFramePr>
+            <a:graphicFrameLocks noGrp="1"/>
+          </p:cNvGraphicFramePr>
+          <p:nvPr>
+            <p:ph sz="half" idx="1"/>
+            <p:extLst>
+              <p:ext uri="{D42A27DB-BD31-4B8C-83A1-F6EECF244321}">
+                <p14:modId xmlns:p14="http://schemas.microsoft.com/office/powerpoint/2010/main" val="1611689284"/>
+              </p:ext>
+            </p:extLst>
+          </p:nvPr>
+        </p:nvGraphicFramePr>
+        <p:xfrm>
+          <a:off x="372036" y="1726546"/>
+          <a:ext cx="3566160" cy="4351338"/>
+        </p:xfrm>
+        <a:graphic>
+          <a:graphicData uri="http://schemas.openxmlformats.org/drawingml/2006/chart">
+            <c:chart xmlns:c="http://schemas.openxmlformats.org/drawingml/2006/chart" xmlns:r="http://schemas.openxmlformats.org/officeDocument/2006/relationships" r:id="rId2"/>
+          </a:graphicData>
+        </a:graphic>
+      </p:graphicFrame>
+      <p:graphicFrame>
+        <p:nvGraphicFramePr>
+          <p:cNvPr id="13" name="Chart 12" title="Gráfico">
+            <a:extLst>
+              <a:ext uri="{FF2B5EF4-FFF2-40B4-BE49-F238E27FC236}">
+                <a16:creationId xmlns:a16="http://schemas.microsoft.com/office/drawing/2014/main" id="{00000000-0008-0000-0100-000002000000}"/>
+              </a:ext>
+            </a:extLst>
+          </p:cNvPr>
+          <p:cNvGraphicFramePr/>
+          <p:nvPr>
+            <p:extLst>
+              <p:ext uri="{D42A27DB-BD31-4B8C-83A1-F6EECF244321}">
+                <p14:modId xmlns:p14="http://schemas.microsoft.com/office/powerpoint/2010/main" val="2202731517"/>
+              </p:ext>
+            </p:extLst>
+          </p:nvPr>
+        </p:nvGraphicFramePr>
+        <p:xfrm>
+          <a:off x="8159676" y="1726546"/>
+          <a:ext cx="3566160" cy="4351338"/>
+        </p:xfrm>
+        <a:graphic>
+          <a:graphicData uri="http://schemas.openxmlformats.org/drawingml/2006/chart">
+            <c:chart xmlns:c="http://schemas.openxmlformats.org/drawingml/2006/chart" xmlns:r="http://schemas.openxmlformats.org/officeDocument/2006/relationships" r:id="rId3"/>
+          </a:graphicData>
+        </a:graphic>
+      </p:graphicFrame>
+    </p:spTree>
+    <p:extLst>
+      <p:ext uri="{BB962C8B-B14F-4D97-AF65-F5344CB8AC3E}">
+        <p14:creationId xmlns:p14="http://schemas.microsoft.com/office/powerpoint/2010/main" val="1096421706"/>
+      </p:ext>
+    </p:extLst>
+  </p:cSld>
+  <p:clrMapOvr>
+    <a:masterClrMapping/>
+  </p:clrMapOvr>
+</p:sld>
+</file>
+
+<file path=ppt/slides/slide6.xml><?xml version="1.0" encoding="utf-8"?>
+<p:sld xmlns:a="http://schemas.openxmlformats.org/drawingml/2006/main" xmlns:r="http://schemas.openxmlformats.org/officeDocument/2006/relationships" xmlns:p="http://schemas.openxmlformats.org/presentationml/2006/main">
+  <p:cSld>
+    <p:spTree>
+      <p:nvGrpSpPr>
+        <p:cNvPr id="1" name=""/>
+        <p:cNvGrpSpPr/>
+        <p:nvPr/>
+      </p:nvGrpSpPr>
+      <p:grpSpPr>
+        <a:xfrm>
+          <a:off x="0" y="0"/>
+          <a:ext cx="0" cy="0"/>
+          <a:chOff x="0" y="0"/>
+          <a:chExt cx="0" cy="0"/>
+        </a:xfrm>
+      </p:grpSpPr>
+      <p:sp>
+        <p:nvSpPr>
           <p:cNvPr id="2" name="Title 1">
             <a:extLst>
               <a:ext uri="{FF2B5EF4-FFF2-40B4-BE49-F238E27FC236}">
@@ -4224,7 +6497,7 @@
             <a:r>
               <a:rPr lang="es-PA" b="1" dirty="0">
                 <a:solidFill>
-                  <a:schemeClr val="accent2">
+                  <a:schemeClr val="tx2">
                     <a:lumMod val="50000"/>
                   </a:schemeClr>
                 </a:solidFill>
@@ -4234,7 +6507,7 @@
             </a:r>
             <a:endParaRPr lang="es-MX" b="1" dirty="0">
               <a:solidFill>
-                <a:schemeClr val="accent2">
+                <a:schemeClr val="tx2">
                   <a:lumMod val="50000"/>
                 </a:schemeClr>
               </a:solidFill>
@@ -4319,8 +6592,11 @@
           <a:lstStyle/>
           <a:p>
             <a:pPr algn="just">
+              <a:lnSpc>
+                <a:spcPct val="110000"/>
+              </a:lnSpc>
               <a:buClr>
-                <a:schemeClr val="accent2">
+                <a:schemeClr val="tx2">
                   <a:lumMod val="50000"/>
                 </a:schemeClr>
               </a:buClr>
@@ -4329,13 +6605,16 @@
               <a:rPr lang="es-MX" sz="2400" dirty="0">
                 <a:latin typeface="Alte Haas Grotesk" panose="02000503000000020004" pitchFamily="2" charset="0"/>
               </a:rPr>
-              <a:t>Mi fortaleza no es analizar volúmenes tan grandes de datos</a:t>
+              <a:t>Me resulta difícil mantenerme concentrada en tareas extremadamente analíticas durante más de 5 minutos </a:t>
             </a:r>
           </a:p>
           <a:p>
             <a:pPr algn="just">
+              <a:lnSpc>
+                <a:spcPct val="110000"/>
+              </a:lnSpc>
               <a:buClr>
-                <a:schemeClr val="accent2">
+                <a:schemeClr val="tx2">
                   <a:lumMod val="50000"/>
                 </a:schemeClr>
               </a:buClr>
@@ -4344,13 +6623,16 @@
               <a:rPr lang="es-MX" sz="2400" dirty="0">
                 <a:latin typeface="Alte Haas Grotesk" panose="02000503000000020004" pitchFamily="2" charset="0"/>
               </a:rPr>
-              <a:t>Me resulta difícil mantenerme concentrada en tareas extremadamente analíticas durante más de 5 minutos. </a:t>
+              <a:t>Tengo mala organización del tiempo</a:t>
             </a:r>
           </a:p>
           <a:p>
             <a:pPr algn="just">
+              <a:lnSpc>
+                <a:spcPct val="110000"/>
+              </a:lnSpc>
               <a:buClr>
-                <a:schemeClr val="accent2">
+                <a:schemeClr val="tx2">
                   <a:lumMod val="50000"/>
                 </a:schemeClr>
               </a:buClr>
@@ -4359,13 +6641,50 @@
               <a:rPr lang="es-MX" sz="2400" dirty="0">
                 <a:latin typeface="Alte Haas Grotesk" panose="02000503000000020004" pitchFamily="2" charset="0"/>
               </a:rPr>
-              <a:t>Mi fortaleza se encuentra en el pensamiento creativo más que en el analítico.</a:t>
+              <a:t>Si no entiendo o me llama la atención una tarea inmediatamente, procrastino excesivamente y demoro mucho en terminar la tarea</a:t>
             </a:r>
           </a:p>
           <a:p>
             <a:pPr algn="just">
+              <a:lnSpc>
+                <a:spcPct val="110000"/>
+              </a:lnSpc>
               <a:buClr>
-                <a:schemeClr val="accent2">
+                <a:schemeClr val="tx2">
+                  <a:lumMod val="50000"/>
+                </a:schemeClr>
+              </a:buClr>
+            </a:pPr>
+            <a:r>
+              <a:rPr lang="es-MX" sz="2400" dirty="0">
+                <a:latin typeface="Alte Haas Grotesk" panose="02000503000000020004" pitchFamily="2" charset="0"/>
+              </a:rPr>
+              <a:t>Me resulta más fácil  y me toma menos esfuerzo, proyectos que requieran el desarrollo del pensamiento creativo más que en el analítico</a:t>
+            </a:r>
+          </a:p>
+          <a:p>
+            <a:pPr marL="0" indent="0" algn="just">
+              <a:lnSpc>
+                <a:spcPct val="110000"/>
+              </a:lnSpc>
+              <a:buClr>
+                <a:schemeClr val="tx2">
+                  <a:lumMod val="50000"/>
+                </a:schemeClr>
+              </a:buClr>
+              <a:buNone/>
+            </a:pPr>
+            <a:endParaRPr lang="es-MX" sz="2400" dirty="0">
+              <a:latin typeface="Alte Haas Grotesk" panose="02000503000000020004" pitchFamily="2" charset="0"/>
+            </a:endParaRPr>
+          </a:p>
+          <a:p>
+            <a:pPr algn="just">
+              <a:lnSpc>
+                <a:spcPct val="110000"/>
+              </a:lnSpc>
+              <a:buClr>
+                <a:schemeClr val="tx2">
                   <a:lumMod val="50000"/>
                 </a:schemeClr>
               </a:buClr>
@@ -4376,8 +6695,11 @@
           </a:p>
           <a:p>
             <a:pPr algn="just">
+              <a:lnSpc>
+                <a:spcPct val="110000"/>
+              </a:lnSpc>
               <a:buClr>
-                <a:schemeClr val="accent2">
+                <a:schemeClr val="tx2">
                   <a:lumMod val="50000"/>
                 </a:schemeClr>
               </a:buClr>
@@ -4388,6 +6710,14 @@
           </a:p>
           <a:p>
             <a:pPr marL="0" indent="0" algn="just">
+              <a:lnSpc>
+                <a:spcPct val="110000"/>
+              </a:lnSpc>
+              <a:buClr>
+                <a:schemeClr val="tx2">
+                  <a:lumMod val="50000"/>
+                </a:schemeClr>
+              </a:buClr>
               <a:buNone/>
             </a:pPr>
             <a:endParaRPr lang="es-MX" sz="2400" dirty="0">
@@ -4409,7 +6739,7 @@
 </p:sld>
 </file>
 
-<file path=ppt/slides/slide6.xml><?xml version="1.0" encoding="utf-8"?>
+<file path=ppt/slides/slide7.xml><?xml version="1.0" encoding="utf-8"?>
 <p:sld xmlns:a="http://schemas.openxmlformats.org/drawingml/2006/main" xmlns:r="http://schemas.openxmlformats.org/officeDocument/2006/relationships" xmlns:p="http://schemas.openxmlformats.org/presentationml/2006/main">
   <p:cSld>
     <p:spTree>
@@ -4450,7 +6780,7 @@
             <a:r>
               <a:rPr lang="es-PA" b="1" dirty="0">
                 <a:solidFill>
-                  <a:schemeClr val="accent2">
+                  <a:schemeClr val="tx2">
                     <a:lumMod val="50000"/>
                   </a:schemeClr>
                 </a:solidFill>
@@ -4460,7 +6790,7 @@
             </a:r>
             <a:endParaRPr lang="es-MX" b="1" dirty="0">
               <a:solidFill>
-                <a:schemeClr val="accent2">
+                <a:schemeClr val="tx2">
                   <a:lumMod val="50000"/>
                 </a:schemeClr>
               </a:solidFill>
@@ -4540,13 +6870,13 @@
         </p:spPr>
         <p:txBody>
           <a:bodyPr>
-            <a:normAutofit fontScale="92500" lnSpcReduction="10000"/>
+            <a:normAutofit/>
           </a:bodyPr>
           <a:lstStyle/>
           <a:p>
             <a:pPr algn="just">
               <a:buClr>
-                <a:schemeClr val="accent2">
+                <a:schemeClr val="tx2">
                   <a:lumMod val="50000"/>
                 </a:schemeClr>
               </a:buClr>
@@ -4561,7 +6891,7 @@
           <a:p>
             <a:pPr algn="just">
               <a:buClr>
-                <a:schemeClr val="accent2">
+                <a:schemeClr val="tx2">
                   <a:lumMod val="50000"/>
                 </a:schemeClr>
               </a:buClr>
@@ -4576,7 +6906,7 @@
           <a:p>
             <a:pPr algn="just">
               <a:buClr>
-                <a:schemeClr val="accent2">
+                <a:schemeClr val="tx2">
                   <a:lumMod val="50000"/>
                 </a:schemeClr>
               </a:buClr>
@@ -4585,28 +6915,13 @@
               <a:rPr lang="es-MX" sz="2400" dirty="0">
                 <a:latin typeface="Alte Haas Grotesk" panose="02000503000000020004" pitchFamily="2" charset="0"/>
               </a:rPr>
-              <a:t>A partir de análisis estadísticos y modelos, es posible realizar predicciones sobre el comportamiento futuro de ciertos fenómenos o variables.</a:t>
+              <a:t>Los resultados del análisis pueden proporcionar información relevante y datos sólidos para apoyar la toma de decisiones en diversas áreas, como negocios, salud, educación, etc.</a:t>
             </a:r>
           </a:p>
           <a:p>
             <a:pPr algn="just">
               <a:buClr>
-                <a:schemeClr val="accent2">
-                  <a:lumMod val="50000"/>
-                </a:schemeClr>
-              </a:buClr>
-            </a:pPr>
-            <a:r>
-              <a:rPr lang="es-MX" sz="2400" dirty="0">
-                <a:latin typeface="Alte Haas Grotesk" panose="02000503000000020004" pitchFamily="2" charset="0"/>
-              </a:rPr>
-              <a:t>Los resultados del análisis pueden proporcionar información relevante y datos sólidos para apoyar la toma de decisiones en diversas áreas, como negocios, salud, educación, etc.</a:t>
-            </a:r>
-          </a:p>
-          <a:p>
-            <a:pPr algn="just">
-              <a:buClr>
-                <a:schemeClr val="accent2">
+                <a:schemeClr val="tx2">
                   <a:lumMod val="50000"/>
                 </a:schemeClr>
               </a:buClr>
@@ -4618,7 +6933,7 @@
           <a:p>
             <a:pPr algn="just">
               <a:buClr>
-                <a:schemeClr val="accent2">
+                <a:schemeClr val="tx2">
                   <a:lumMod val="50000"/>
                 </a:schemeClr>
               </a:buClr>
@@ -4629,6 +6944,11 @@
           </a:p>
           <a:p>
             <a:pPr marL="0" indent="0" algn="just">
+              <a:buClr>
+                <a:schemeClr val="tx2">
+                  <a:lumMod val="50000"/>
+                </a:schemeClr>
+              </a:buClr>
               <a:buNone/>
             </a:pPr>
             <a:endParaRPr lang="es-MX" sz="2400" dirty="0">
@@ -4641,6 +6961,230 @@
     <p:extLst>
       <p:ext uri="{BB962C8B-B14F-4D97-AF65-F5344CB8AC3E}">
         <p14:creationId xmlns:p14="http://schemas.microsoft.com/office/powerpoint/2010/main" val="997121632"/>
+      </p:ext>
+    </p:extLst>
+  </p:cSld>
+  <p:clrMapOvr>
+    <a:masterClrMapping/>
+  </p:clrMapOvr>
+</p:sld>
+</file>
+
+<file path=ppt/slides/slide8.xml><?xml version="1.0" encoding="utf-8"?>
+<p:sld xmlns:a="http://schemas.openxmlformats.org/drawingml/2006/main" xmlns:r="http://schemas.openxmlformats.org/officeDocument/2006/relationships" xmlns:p="http://schemas.openxmlformats.org/presentationml/2006/main">
+  <p:cSld>
+    <p:bg>
+      <p:bgPr>
+        <a:solidFill>
+          <a:schemeClr val="tx2">
+            <a:lumMod val="50000"/>
+          </a:schemeClr>
+        </a:solidFill>
+        <a:effectLst/>
+      </p:bgPr>
+    </p:bg>
+    <p:spTree>
+      <p:nvGrpSpPr>
+        <p:cNvPr id="1" name=""/>
+        <p:cNvGrpSpPr/>
+        <p:nvPr/>
+      </p:nvGrpSpPr>
+      <p:grpSpPr>
+        <a:xfrm>
+          <a:off x="0" y="0"/>
+          <a:ext cx="0" cy="0"/>
+          <a:chOff x="0" y="0"/>
+          <a:chExt cx="0" cy="0"/>
+        </a:xfrm>
+      </p:grpSpPr>
+      <p:pic>
+        <p:nvPicPr>
+          <p:cNvPr id="1028" name="Picture 4" descr="Estadística png foto - PNG All">
+            <a:extLst>
+              <a:ext uri="{FF2B5EF4-FFF2-40B4-BE49-F238E27FC236}">
+                <a16:creationId xmlns:a16="http://schemas.microsoft.com/office/drawing/2014/main" id="{8798C612-026E-8028-C30C-66E7F7667AFE}"/>
+              </a:ext>
+            </a:extLst>
+          </p:cNvPr>
+          <p:cNvPicPr>
+            <a:picLocks noChangeAspect="1" noChangeArrowheads="1"/>
+          </p:cNvPicPr>
+          <p:nvPr/>
+        </p:nvPicPr>
+        <p:blipFill rotWithShape="1">
+          <a:blip r:embed="rId2">
+            <a:extLst>
+              <a:ext uri="{28A0092B-C50C-407E-A947-70E740481C1C}">
+                <a14:useLocalDpi xmlns:a14="http://schemas.microsoft.com/office/drawing/2010/main" val="0"/>
+              </a:ext>
+            </a:extLst>
+          </a:blip>
+          <a:srcRect l="61066" t="24783"/>
+          <a:stretch/>
+        </p:blipFill>
+        <p:spPr bwMode="auto">
+          <a:xfrm>
+            <a:off x="0" y="0"/>
+            <a:ext cx="2348753" cy="3200877"/>
+          </a:xfrm>
+          <a:prstGeom prst="rect">
+            <a:avLst/>
+          </a:prstGeom>
+          <a:noFill/>
+          <a:extLst>
+            <a:ext uri="{909E8E84-426E-40DD-AFC4-6F175D3DCCD1}">
+              <a14:hiddenFill xmlns:a14="http://schemas.microsoft.com/office/drawing/2010/main">
+                <a:solidFill>
+                  <a:srgbClr val="FFFFFF"/>
+                </a:solidFill>
+              </a14:hiddenFill>
+            </a:ext>
+          </a:extLst>
+        </p:spPr>
+      </p:pic>
+      <p:sp>
+        <p:nvSpPr>
+          <p:cNvPr id="4" name="Oval 3">
+            <a:extLst>
+              <a:ext uri="{FF2B5EF4-FFF2-40B4-BE49-F238E27FC236}">
+                <a16:creationId xmlns:a16="http://schemas.microsoft.com/office/drawing/2014/main" id="{63F66908-58D2-69FE-6D3A-24E25F6988B0}"/>
+              </a:ext>
+            </a:extLst>
+          </p:cNvPr>
+          <p:cNvSpPr/>
+          <p:nvPr/>
+        </p:nvSpPr>
+        <p:spPr>
+          <a:xfrm>
+            <a:off x="1524000" y="2330824"/>
+            <a:ext cx="1308847" cy="1171824"/>
+          </a:xfrm>
+          <a:prstGeom prst="ellipse">
+            <a:avLst/>
+          </a:prstGeom>
+          <a:solidFill>
+            <a:schemeClr val="tx2">
+              <a:lumMod val="50000"/>
+            </a:schemeClr>
+          </a:solidFill>
+          <a:ln>
+            <a:noFill/>
+          </a:ln>
+        </p:spPr>
+        <p:style>
+          <a:lnRef idx="2">
+            <a:schemeClr val="accent1">
+              <a:shade val="15000"/>
+            </a:schemeClr>
+          </a:lnRef>
+          <a:fillRef idx="1">
+            <a:schemeClr val="accent1"/>
+          </a:fillRef>
+          <a:effectRef idx="0">
+            <a:schemeClr val="accent1"/>
+          </a:effectRef>
+          <a:fontRef idx="minor">
+            <a:schemeClr val="lt1"/>
+          </a:fontRef>
+        </p:style>
+        <p:txBody>
+          <a:bodyPr rtlCol="0" anchor="ctr"/>
+          <a:lstStyle/>
+          <a:p>
+            <a:pPr algn="ctr"/>
+            <a:endParaRPr lang="es-MX"/>
+          </a:p>
+        </p:txBody>
+      </p:sp>
+      <p:sp>
+        <p:nvSpPr>
+          <p:cNvPr id="2" name="Title 1">
+            <a:extLst>
+              <a:ext uri="{FF2B5EF4-FFF2-40B4-BE49-F238E27FC236}">
+                <a16:creationId xmlns:a16="http://schemas.microsoft.com/office/drawing/2014/main" id="{F5C173AF-11E3-AA6C-FF54-658A2AE746FE}"/>
+              </a:ext>
+            </a:extLst>
+          </p:cNvPr>
+          <p:cNvSpPr>
+            <a:spLocks noGrp="1"/>
+          </p:cNvSpPr>
+          <p:nvPr>
+            <p:ph type="ctrTitle"/>
+          </p:nvPr>
+        </p:nvSpPr>
+        <p:spPr>
+          <a:xfrm>
+            <a:off x="1524000" y="1722936"/>
+            <a:ext cx="9144000" cy="2387600"/>
+          </a:xfrm>
+        </p:spPr>
+        <p:txBody>
+          <a:bodyPr>
+            <a:normAutofit/>
+          </a:bodyPr>
+          <a:lstStyle/>
+          <a:p>
+            <a:r>
+              <a:rPr lang="es-MX" sz="11500" b="1" dirty="0">
+                <a:solidFill>
+                  <a:schemeClr val="bg1"/>
+                </a:solidFill>
+                <a:latin typeface="Alte Haas Grotesk" panose="02000503000000020004" pitchFamily="2" charset="0"/>
+              </a:rPr>
+              <a:t>¡Gracias!</a:t>
+            </a:r>
+          </a:p>
+        </p:txBody>
+      </p:sp>
+      <p:pic>
+        <p:nvPicPr>
+          <p:cNvPr id="1026" name="Picture 2" descr="Estadística png foto - PNG All">
+            <a:extLst>
+              <a:ext uri="{FF2B5EF4-FFF2-40B4-BE49-F238E27FC236}">
+                <a16:creationId xmlns:a16="http://schemas.microsoft.com/office/drawing/2014/main" id="{939B6B48-62F2-915A-292B-22ABB7290EBE}"/>
+              </a:ext>
+            </a:extLst>
+          </p:cNvPr>
+          <p:cNvPicPr>
+            <a:picLocks noChangeAspect="1" noChangeArrowheads="1"/>
+          </p:cNvPicPr>
+          <p:nvPr/>
+        </p:nvPicPr>
+        <p:blipFill rotWithShape="1">
+          <a:blip r:embed="rId2">
+            <a:extLst>
+              <a:ext uri="{28A0092B-C50C-407E-A947-70E740481C1C}">
+                <a14:useLocalDpi xmlns:a14="http://schemas.microsoft.com/office/drawing/2010/main" val="0"/>
+              </a:ext>
+            </a:extLst>
+          </a:blip>
+          <a:srcRect r="60719" b="27752"/>
+          <a:stretch/>
+        </p:blipFill>
+        <p:spPr bwMode="auto">
+          <a:xfrm>
+            <a:off x="9763614" y="3707289"/>
+            <a:ext cx="2428386" cy="3150711"/>
+          </a:xfrm>
+          <a:prstGeom prst="rect">
+            <a:avLst/>
+          </a:prstGeom>
+          <a:noFill/>
+          <a:extLst>
+            <a:ext uri="{909E8E84-426E-40DD-AFC4-6F175D3DCCD1}">
+              <a14:hiddenFill xmlns:a14="http://schemas.microsoft.com/office/drawing/2010/main">
+                <a:solidFill>
+                  <a:srgbClr val="FFFFFF"/>
+                </a:solidFill>
+              </a14:hiddenFill>
+            </a:ext>
+          </a:extLst>
+        </p:spPr>
+      </p:pic>
+    </p:spTree>
+    <p:extLst>
+      <p:ext uri="{BB962C8B-B14F-4D97-AF65-F5344CB8AC3E}">
+        <p14:creationId xmlns:p14="http://schemas.microsoft.com/office/powerpoint/2010/main" val="2238822361"/>
       </p:ext>
     </p:extLst>
   </p:cSld>
